--- a/_book/plot/global-source-1.pptx
+++ b/_book/plot/global-source-1.pptx
@@ -3123,7 +3123,7 @@
           <p:spPr>
             <a:xfrm>
               <a:off x="2148681" y="581025"/>
-              <a:ext cx="6400800" cy="6400799"/>
+              <a:ext cx="6400799" cy="6400799"/>
             </a:xfrm>
             <a:prstGeom prst="rect">
               <a:avLst/>
@@ -3158,7 +3158,7 @@
           <p:spPr>
             <a:xfrm>
               <a:off x="2148681" y="581025"/>
-              <a:ext cx="6400800" cy="6400799"/>
+              <a:ext cx="6400799" cy="6400799"/>
             </a:xfrm>
             <a:prstGeom prst="rect">
               <a:avLst/>
@@ -3192,8 +3192,8 @@
           </p:nvSpPr>
           <p:spPr>
             <a:xfrm>
-              <a:off x="2540745" y="873540"/>
-              <a:ext cx="5939146" cy="5708882"/>
+              <a:off x="2542904" y="876525"/>
+              <a:ext cx="5936987" cy="5702405"/>
             </a:xfrm>
             <a:prstGeom prst="rect">
               <a:avLst/>
@@ -3218,15 +3218,15 @@
           </p:nvSpPr>
           <p:spPr>
             <a:xfrm>
-              <a:off x="3041838" y="873540"/>
-              <a:ext cx="0" cy="5708882"/>
+              <a:off x="3043815" y="876525"/>
+              <a:ext cx="0" cy="5702405"/>
             </a:xfrm>
             <a:custGeom>
               <a:avLst/>
               <a:pathLst>
-                <a:path w="0" h="5708882">
+                <a:path w="0" h="5702405">
                   <a:moveTo>
-                    <a:pt x="0" y="5708882"/>
+                    <a:pt x="0" y="5702405"/>
                   </a:moveTo>
                   <a:lnTo>
                     <a:pt x="0" y="0"/>
@@ -3261,15 +3261,15 @@
           </p:nvSpPr>
           <p:spPr>
             <a:xfrm>
-              <a:off x="4044022" y="873540"/>
-              <a:ext cx="0" cy="5708882"/>
+              <a:off x="4045635" y="876525"/>
+              <a:ext cx="0" cy="5702405"/>
             </a:xfrm>
             <a:custGeom>
               <a:avLst/>
               <a:pathLst>
-                <a:path w="0" h="5708882">
+                <a:path w="0" h="5702405">
                   <a:moveTo>
-                    <a:pt x="0" y="5708882"/>
+                    <a:pt x="0" y="5702405"/>
                   </a:moveTo>
                   <a:lnTo>
                     <a:pt x="0" y="0"/>
@@ -3304,15 +3304,15 @@
           </p:nvSpPr>
           <p:spPr>
             <a:xfrm>
-              <a:off x="5046207" y="873540"/>
-              <a:ext cx="0" cy="5708882"/>
+              <a:off x="5047455" y="876525"/>
+              <a:ext cx="0" cy="5702405"/>
             </a:xfrm>
             <a:custGeom>
               <a:avLst/>
               <a:pathLst>
-                <a:path w="0" h="5708882">
+                <a:path w="0" h="5702405">
                   <a:moveTo>
-                    <a:pt x="0" y="5708882"/>
+                    <a:pt x="0" y="5702405"/>
                   </a:moveTo>
                   <a:lnTo>
                     <a:pt x="0" y="0"/>
@@ -3347,15 +3347,15 @@
           </p:nvSpPr>
           <p:spPr>
             <a:xfrm>
-              <a:off x="6048392" y="873540"/>
-              <a:ext cx="0" cy="5708882"/>
+              <a:off x="6049275" y="876525"/>
+              <a:ext cx="0" cy="5702405"/>
             </a:xfrm>
             <a:custGeom>
               <a:avLst/>
               <a:pathLst>
-                <a:path w="0" h="5708882">
+                <a:path w="0" h="5702405">
                   <a:moveTo>
-                    <a:pt x="0" y="5708882"/>
+                    <a:pt x="0" y="5702405"/>
                   </a:moveTo>
                   <a:lnTo>
                     <a:pt x="0" y="0"/>
@@ -3390,15 +3390,15 @@
           </p:nvSpPr>
           <p:spPr>
             <a:xfrm>
-              <a:off x="7050576" y="873540"/>
-              <a:ext cx="0" cy="5708882"/>
+              <a:off x="7051096" y="876525"/>
+              <a:ext cx="0" cy="5702405"/>
             </a:xfrm>
             <a:custGeom>
               <a:avLst/>
               <a:pathLst>
-                <a:path w="0" h="5708882">
+                <a:path w="0" h="5702405">
                   <a:moveTo>
-                    <a:pt x="0" y="5708882"/>
+                    <a:pt x="0" y="5702405"/>
                   </a:moveTo>
                   <a:lnTo>
                     <a:pt x="0" y="0"/>
@@ -3433,15 +3433,15 @@
           </p:nvSpPr>
           <p:spPr>
             <a:xfrm>
-              <a:off x="8052761" y="873540"/>
-              <a:ext cx="0" cy="5708882"/>
+              <a:off x="8052916" y="876525"/>
+              <a:ext cx="0" cy="5702405"/>
             </a:xfrm>
             <a:custGeom>
               <a:avLst/>
               <a:pathLst>
-                <a:path w="0" h="5708882">
+                <a:path w="0" h="5702405">
                   <a:moveTo>
-                    <a:pt x="0" y="5708882"/>
+                    <a:pt x="0" y="5702405"/>
                   </a:moveTo>
                   <a:lnTo>
                     <a:pt x="0" y="0"/>
@@ -3476,21 +3476,21 @@
           </p:nvSpPr>
           <p:spPr>
             <a:xfrm>
-              <a:off x="2540745" y="6446497"/>
-              <a:ext cx="5939146" cy="0"/>
+              <a:off x="2542904" y="6443159"/>
+              <a:ext cx="5936987" cy="0"/>
             </a:xfrm>
             <a:custGeom>
               <a:avLst/>
               <a:pathLst>
-                <a:path w="5939146" h="0">
+                <a:path w="5936987" h="0">
                   <a:moveTo>
                     <a:pt x="0" y="0"/>
                   </a:moveTo>
                   <a:lnTo>
-                    <a:pt x="5939146" y="0"/>
-                  </a:lnTo>
-                  <a:lnTo>
-                    <a:pt x="5939146" y="0"/>
+                    <a:pt x="5936987" y="0"/>
+                  </a:lnTo>
+                  <a:lnTo>
+                    <a:pt x="5936987" y="0"/>
                   </a:lnTo>
                 </a:path>
               </a:pathLst>
@@ -3519,21 +3519,21 @@
           </p:nvSpPr>
           <p:spPr>
             <a:xfrm>
-              <a:off x="2540745" y="6219954"/>
-              <a:ext cx="5939146" cy="0"/>
+              <a:off x="2542904" y="6216873"/>
+              <a:ext cx="5936987" cy="0"/>
             </a:xfrm>
             <a:custGeom>
               <a:avLst/>
               <a:pathLst>
-                <a:path w="5939146" h="0">
+                <a:path w="5936987" h="0">
                   <a:moveTo>
                     <a:pt x="0" y="0"/>
                   </a:moveTo>
                   <a:lnTo>
-                    <a:pt x="5939146" y="0"/>
-                  </a:lnTo>
-                  <a:lnTo>
-                    <a:pt x="5939146" y="0"/>
+                    <a:pt x="5936987" y="0"/>
+                  </a:lnTo>
+                  <a:lnTo>
+                    <a:pt x="5936987" y="0"/>
                   </a:lnTo>
                 </a:path>
               </a:pathLst>
@@ -3562,21 +3562,21 @@
           </p:nvSpPr>
           <p:spPr>
             <a:xfrm>
-              <a:off x="2540745" y="5993411"/>
-              <a:ext cx="5939146" cy="0"/>
+              <a:off x="2542904" y="5990587"/>
+              <a:ext cx="5936987" cy="0"/>
             </a:xfrm>
             <a:custGeom>
               <a:avLst/>
               <a:pathLst>
-                <a:path w="5939146" h="0">
+                <a:path w="5936987" h="0">
                   <a:moveTo>
                     <a:pt x="0" y="0"/>
                   </a:moveTo>
                   <a:lnTo>
-                    <a:pt x="5939146" y="0"/>
-                  </a:lnTo>
-                  <a:lnTo>
-                    <a:pt x="5939146" y="0"/>
+                    <a:pt x="5936987" y="0"/>
+                  </a:lnTo>
+                  <a:lnTo>
+                    <a:pt x="5936987" y="0"/>
                   </a:lnTo>
                 </a:path>
               </a:pathLst>
@@ -3605,21 +3605,21 @@
           </p:nvSpPr>
           <p:spPr>
             <a:xfrm>
-              <a:off x="2540745" y="5766868"/>
-              <a:ext cx="5939146" cy="0"/>
+              <a:off x="2542904" y="5764301"/>
+              <a:ext cx="5936987" cy="0"/>
             </a:xfrm>
             <a:custGeom>
               <a:avLst/>
               <a:pathLst>
-                <a:path w="5939146" h="0">
+                <a:path w="5936987" h="0">
                   <a:moveTo>
                     <a:pt x="0" y="0"/>
                   </a:moveTo>
                   <a:lnTo>
-                    <a:pt x="5939146" y="0"/>
-                  </a:lnTo>
-                  <a:lnTo>
-                    <a:pt x="5939146" y="0"/>
+                    <a:pt x="5936987" y="0"/>
+                  </a:lnTo>
+                  <a:lnTo>
+                    <a:pt x="5936987" y="0"/>
                   </a:lnTo>
                 </a:path>
               </a:pathLst>
@@ -3648,21 +3648,21 @@
           </p:nvSpPr>
           <p:spPr>
             <a:xfrm>
-              <a:off x="2540745" y="5540325"/>
-              <a:ext cx="5939146" cy="0"/>
+              <a:off x="2542904" y="5538015"/>
+              <a:ext cx="5936987" cy="0"/>
             </a:xfrm>
             <a:custGeom>
               <a:avLst/>
               <a:pathLst>
-                <a:path w="5939146" h="0">
+                <a:path w="5936987" h="0">
                   <a:moveTo>
                     <a:pt x="0" y="0"/>
                   </a:moveTo>
                   <a:lnTo>
-                    <a:pt x="5939146" y="0"/>
-                  </a:lnTo>
-                  <a:lnTo>
-                    <a:pt x="5939146" y="0"/>
+                    <a:pt x="5936987" y="0"/>
+                  </a:lnTo>
+                  <a:lnTo>
+                    <a:pt x="5936987" y="0"/>
                   </a:lnTo>
                 </a:path>
               </a:pathLst>
@@ -3691,21 +3691,21 @@
           </p:nvSpPr>
           <p:spPr>
             <a:xfrm>
-              <a:off x="2540745" y="5313782"/>
-              <a:ext cx="5939146" cy="0"/>
+              <a:off x="2542904" y="5311729"/>
+              <a:ext cx="5936987" cy="0"/>
             </a:xfrm>
             <a:custGeom>
               <a:avLst/>
               <a:pathLst>
-                <a:path w="5939146" h="0">
+                <a:path w="5936987" h="0">
                   <a:moveTo>
                     <a:pt x="0" y="0"/>
                   </a:moveTo>
                   <a:lnTo>
-                    <a:pt x="5939146" y="0"/>
-                  </a:lnTo>
-                  <a:lnTo>
-                    <a:pt x="5939146" y="0"/>
+                    <a:pt x="5936987" y="0"/>
+                  </a:lnTo>
+                  <a:lnTo>
+                    <a:pt x="5936987" y="0"/>
                   </a:lnTo>
                 </a:path>
               </a:pathLst>
@@ -3734,21 +3734,21 @@
           </p:nvSpPr>
           <p:spPr>
             <a:xfrm>
-              <a:off x="2540745" y="5087240"/>
-              <a:ext cx="5939146" cy="0"/>
+              <a:off x="2542904" y="5085443"/>
+              <a:ext cx="5936987" cy="0"/>
             </a:xfrm>
             <a:custGeom>
               <a:avLst/>
               <a:pathLst>
-                <a:path w="5939146" h="0">
+                <a:path w="5936987" h="0">
                   <a:moveTo>
                     <a:pt x="0" y="0"/>
                   </a:moveTo>
                   <a:lnTo>
-                    <a:pt x="5939146" y="0"/>
-                  </a:lnTo>
-                  <a:lnTo>
-                    <a:pt x="5939146" y="0"/>
+                    <a:pt x="5936987" y="0"/>
+                  </a:lnTo>
+                  <a:lnTo>
+                    <a:pt x="5936987" y="0"/>
                   </a:lnTo>
                 </a:path>
               </a:pathLst>
@@ -3777,21 +3777,21 @@
           </p:nvSpPr>
           <p:spPr>
             <a:xfrm>
-              <a:off x="2540745" y="4860697"/>
-              <a:ext cx="5939146" cy="0"/>
+              <a:off x="2542904" y="4859157"/>
+              <a:ext cx="5936987" cy="0"/>
             </a:xfrm>
             <a:custGeom>
               <a:avLst/>
               <a:pathLst>
-                <a:path w="5939146" h="0">
+                <a:path w="5936987" h="0">
                   <a:moveTo>
                     <a:pt x="0" y="0"/>
                   </a:moveTo>
                   <a:lnTo>
-                    <a:pt x="5939146" y="0"/>
-                  </a:lnTo>
-                  <a:lnTo>
-                    <a:pt x="5939146" y="0"/>
+                    <a:pt x="5936987" y="0"/>
+                  </a:lnTo>
+                  <a:lnTo>
+                    <a:pt x="5936987" y="0"/>
                   </a:lnTo>
                 </a:path>
               </a:pathLst>
@@ -3820,21 +3820,21 @@
           </p:nvSpPr>
           <p:spPr>
             <a:xfrm>
-              <a:off x="2540745" y="4634154"/>
-              <a:ext cx="5939146" cy="0"/>
+              <a:off x="2542904" y="4632871"/>
+              <a:ext cx="5936987" cy="0"/>
             </a:xfrm>
             <a:custGeom>
               <a:avLst/>
               <a:pathLst>
-                <a:path w="5939146" h="0">
+                <a:path w="5936987" h="0">
                   <a:moveTo>
                     <a:pt x="0" y="0"/>
                   </a:moveTo>
                   <a:lnTo>
-                    <a:pt x="5939146" y="0"/>
-                  </a:lnTo>
-                  <a:lnTo>
-                    <a:pt x="5939146" y="0"/>
+                    <a:pt x="5936987" y="0"/>
+                  </a:lnTo>
+                  <a:lnTo>
+                    <a:pt x="5936987" y="0"/>
                   </a:lnTo>
                 </a:path>
               </a:pathLst>
@@ -3863,21 +3863,21 @@
           </p:nvSpPr>
           <p:spPr>
             <a:xfrm>
-              <a:off x="2540745" y="4407611"/>
-              <a:ext cx="5939146" cy="0"/>
+              <a:off x="2542904" y="4406586"/>
+              <a:ext cx="5936987" cy="0"/>
             </a:xfrm>
             <a:custGeom>
               <a:avLst/>
               <a:pathLst>
-                <a:path w="5939146" h="0">
+                <a:path w="5936987" h="0">
                   <a:moveTo>
                     <a:pt x="0" y="0"/>
                   </a:moveTo>
                   <a:lnTo>
-                    <a:pt x="5939146" y="0"/>
-                  </a:lnTo>
-                  <a:lnTo>
-                    <a:pt x="5939146" y="0"/>
+                    <a:pt x="5936987" y="0"/>
+                  </a:lnTo>
+                  <a:lnTo>
+                    <a:pt x="5936987" y="0"/>
                   </a:lnTo>
                 </a:path>
               </a:pathLst>
@@ -3906,21 +3906,21 @@
           </p:nvSpPr>
           <p:spPr>
             <a:xfrm>
-              <a:off x="2540745" y="4181068"/>
-              <a:ext cx="5939146" cy="0"/>
+              <a:off x="2542904" y="4180300"/>
+              <a:ext cx="5936987" cy="0"/>
             </a:xfrm>
             <a:custGeom>
               <a:avLst/>
               <a:pathLst>
-                <a:path w="5939146" h="0">
+                <a:path w="5936987" h="0">
                   <a:moveTo>
                     <a:pt x="0" y="0"/>
                   </a:moveTo>
                   <a:lnTo>
-                    <a:pt x="5939146" y="0"/>
-                  </a:lnTo>
-                  <a:lnTo>
-                    <a:pt x="5939146" y="0"/>
+                    <a:pt x="5936987" y="0"/>
+                  </a:lnTo>
+                  <a:lnTo>
+                    <a:pt x="5936987" y="0"/>
                   </a:lnTo>
                 </a:path>
               </a:pathLst>
@@ -3949,21 +3949,21 @@
           </p:nvSpPr>
           <p:spPr>
             <a:xfrm>
-              <a:off x="2540745" y="3954525"/>
-              <a:ext cx="5939146" cy="0"/>
+              <a:off x="2542904" y="3954014"/>
+              <a:ext cx="5936987" cy="0"/>
             </a:xfrm>
             <a:custGeom>
               <a:avLst/>
               <a:pathLst>
-                <a:path w="5939146" h="0">
+                <a:path w="5936987" h="0">
                   <a:moveTo>
                     <a:pt x="0" y="0"/>
                   </a:moveTo>
                   <a:lnTo>
-                    <a:pt x="5939146" y="0"/>
-                  </a:lnTo>
-                  <a:lnTo>
-                    <a:pt x="5939146" y="0"/>
+                    <a:pt x="5936987" y="0"/>
+                  </a:lnTo>
+                  <a:lnTo>
+                    <a:pt x="5936987" y="0"/>
                   </a:lnTo>
                 </a:path>
               </a:pathLst>
@@ -3992,21 +3992,21 @@
           </p:nvSpPr>
           <p:spPr>
             <a:xfrm>
-              <a:off x="2540745" y="3727982"/>
-              <a:ext cx="5939146" cy="0"/>
+              <a:off x="2542904" y="3727728"/>
+              <a:ext cx="5936987" cy="0"/>
             </a:xfrm>
             <a:custGeom>
               <a:avLst/>
               <a:pathLst>
-                <a:path w="5939146" h="0">
+                <a:path w="5936987" h="0">
                   <a:moveTo>
                     <a:pt x="0" y="0"/>
                   </a:moveTo>
                   <a:lnTo>
-                    <a:pt x="5939146" y="0"/>
-                  </a:lnTo>
-                  <a:lnTo>
-                    <a:pt x="5939146" y="0"/>
+                    <a:pt x="5936987" y="0"/>
+                  </a:lnTo>
+                  <a:lnTo>
+                    <a:pt x="5936987" y="0"/>
                   </a:lnTo>
                 </a:path>
               </a:pathLst>
@@ -4035,21 +4035,21 @@
           </p:nvSpPr>
           <p:spPr>
             <a:xfrm>
-              <a:off x="2540745" y="3501439"/>
-              <a:ext cx="5939146" cy="0"/>
+              <a:off x="2542904" y="3501442"/>
+              <a:ext cx="5936987" cy="0"/>
             </a:xfrm>
             <a:custGeom>
               <a:avLst/>
               <a:pathLst>
-                <a:path w="5939146" h="0">
+                <a:path w="5936987" h="0">
                   <a:moveTo>
                     <a:pt x="0" y="0"/>
                   </a:moveTo>
                   <a:lnTo>
-                    <a:pt x="5939146" y="0"/>
-                  </a:lnTo>
-                  <a:lnTo>
-                    <a:pt x="5939146" y="0"/>
+                    <a:pt x="5936987" y="0"/>
+                  </a:lnTo>
+                  <a:lnTo>
+                    <a:pt x="5936987" y="0"/>
                   </a:lnTo>
                 </a:path>
               </a:pathLst>
@@ -4078,21 +4078,21 @@
           </p:nvSpPr>
           <p:spPr>
             <a:xfrm>
-              <a:off x="2540745" y="3274896"/>
-              <a:ext cx="5939146" cy="0"/>
+              <a:off x="2542904" y="3275156"/>
+              <a:ext cx="5936987" cy="0"/>
             </a:xfrm>
             <a:custGeom>
               <a:avLst/>
               <a:pathLst>
-                <a:path w="5939146" h="0">
+                <a:path w="5936987" h="0">
                   <a:moveTo>
                     <a:pt x="0" y="0"/>
                   </a:moveTo>
                   <a:lnTo>
-                    <a:pt x="5939146" y="0"/>
-                  </a:lnTo>
-                  <a:lnTo>
-                    <a:pt x="5939146" y="0"/>
+                    <a:pt x="5936987" y="0"/>
+                  </a:lnTo>
+                  <a:lnTo>
+                    <a:pt x="5936987" y="0"/>
                   </a:lnTo>
                 </a:path>
               </a:pathLst>
@@ -4121,21 +4121,21 @@
           </p:nvSpPr>
           <p:spPr>
             <a:xfrm>
-              <a:off x="2540745" y="3048353"/>
-              <a:ext cx="5939146" cy="0"/>
+              <a:off x="2542904" y="3048870"/>
+              <a:ext cx="5936987" cy="0"/>
             </a:xfrm>
             <a:custGeom>
               <a:avLst/>
               <a:pathLst>
-                <a:path w="5939146" h="0">
+                <a:path w="5936987" h="0">
                   <a:moveTo>
                     <a:pt x="0" y="0"/>
                   </a:moveTo>
                   <a:lnTo>
-                    <a:pt x="5939146" y="0"/>
-                  </a:lnTo>
-                  <a:lnTo>
-                    <a:pt x="5939146" y="0"/>
+                    <a:pt x="5936987" y="0"/>
+                  </a:lnTo>
+                  <a:lnTo>
+                    <a:pt x="5936987" y="0"/>
                   </a:lnTo>
                 </a:path>
               </a:pathLst>
@@ -4164,21 +4164,21 @@
           </p:nvSpPr>
           <p:spPr>
             <a:xfrm>
-              <a:off x="2540745" y="2821810"/>
-              <a:ext cx="5939146" cy="0"/>
+              <a:off x="2542904" y="2822584"/>
+              <a:ext cx="5936987" cy="0"/>
             </a:xfrm>
             <a:custGeom>
               <a:avLst/>
               <a:pathLst>
-                <a:path w="5939146" h="0">
+                <a:path w="5936987" h="0">
                   <a:moveTo>
                     <a:pt x="0" y="0"/>
                   </a:moveTo>
                   <a:lnTo>
-                    <a:pt x="5939146" y="0"/>
-                  </a:lnTo>
-                  <a:lnTo>
-                    <a:pt x="5939146" y="0"/>
+                    <a:pt x="5936987" y="0"/>
+                  </a:lnTo>
+                  <a:lnTo>
+                    <a:pt x="5936987" y="0"/>
                   </a:lnTo>
                 </a:path>
               </a:pathLst>
@@ -4207,21 +4207,21 @@
           </p:nvSpPr>
           <p:spPr>
             <a:xfrm>
-              <a:off x="2540745" y="2595267"/>
-              <a:ext cx="5939146" cy="0"/>
+              <a:off x="2542904" y="2596298"/>
+              <a:ext cx="5936987" cy="0"/>
             </a:xfrm>
             <a:custGeom>
               <a:avLst/>
               <a:pathLst>
-                <a:path w="5939146" h="0">
+                <a:path w="5936987" h="0">
                   <a:moveTo>
                     <a:pt x="0" y="0"/>
                   </a:moveTo>
                   <a:lnTo>
-                    <a:pt x="5939146" y="0"/>
-                  </a:lnTo>
-                  <a:lnTo>
-                    <a:pt x="5939146" y="0"/>
+                    <a:pt x="5936987" y="0"/>
+                  </a:lnTo>
+                  <a:lnTo>
+                    <a:pt x="5936987" y="0"/>
                   </a:lnTo>
                 </a:path>
               </a:pathLst>
@@ -4250,21 +4250,21 @@
           </p:nvSpPr>
           <p:spPr>
             <a:xfrm>
-              <a:off x="2540745" y="2368724"/>
-              <a:ext cx="5939146" cy="0"/>
+              <a:off x="2542904" y="2370012"/>
+              <a:ext cx="5936987" cy="0"/>
             </a:xfrm>
             <a:custGeom>
               <a:avLst/>
               <a:pathLst>
-                <a:path w="5939146" h="0">
+                <a:path w="5936987" h="0">
                   <a:moveTo>
                     <a:pt x="0" y="0"/>
                   </a:moveTo>
                   <a:lnTo>
-                    <a:pt x="5939146" y="0"/>
-                  </a:lnTo>
-                  <a:lnTo>
-                    <a:pt x="5939146" y="0"/>
+                    <a:pt x="5936987" y="0"/>
+                  </a:lnTo>
+                  <a:lnTo>
+                    <a:pt x="5936987" y="0"/>
                   </a:lnTo>
                 </a:path>
               </a:pathLst>
@@ -4293,21 +4293,21 @@
           </p:nvSpPr>
           <p:spPr>
             <a:xfrm>
-              <a:off x="2540745" y="2142181"/>
-              <a:ext cx="5939146" cy="0"/>
+              <a:off x="2542904" y="2143726"/>
+              <a:ext cx="5936987" cy="0"/>
             </a:xfrm>
             <a:custGeom>
               <a:avLst/>
               <a:pathLst>
-                <a:path w="5939146" h="0">
+                <a:path w="5936987" h="0">
                   <a:moveTo>
                     <a:pt x="0" y="0"/>
                   </a:moveTo>
                   <a:lnTo>
-                    <a:pt x="5939146" y="0"/>
-                  </a:lnTo>
-                  <a:lnTo>
-                    <a:pt x="5939146" y="0"/>
+                    <a:pt x="5936987" y="0"/>
+                  </a:lnTo>
+                  <a:lnTo>
+                    <a:pt x="5936987" y="0"/>
                   </a:lnTo>
                 </a:path>
               </a:pathLst>
@@ -4336,21 +4336,21 @@
           </p:nvSpPr>
           <p:spPr>
             <a:xfrm>
-              <a:off x="2540745" y="1915638"/>
-              <a:ext cx="5939146" cy="0"/>
+              <a:off x="2542904" y="1917440"/>
+              <a:ext cx="5936987" cy="0"/>
             </a:xfrm>
             <a:custGeom>
               <a:avLst/>
               <a:pathLst>
-                <a:path w="5939146" h="0">
+                <a:path w="5936987" h="0">
                   <a:moveTo>
                     <a:pt x="0" y="0"/>
                   </a:moveTo>
                   <a:lnTo>
-                    <a:pt x="5939146" y="0"/>
-                  </a:lnTo>
-                  <a:lnTo>
-                    <a:pt x="5939146" y="0"/>
+                    <a:pt x="5936987" y="0"/>
+                  </a:lnTo>
+                  <a:lnTo>
+                    <a:pt x="5936987" y="0"/>
                   </a:lnTo>
                 </a:path>
               </a:pathLst>
@@ -4379,21 +4379,21 @@
           </p:nvSpPr>
           <p:spPr>
             <a:xfrm>
-              <a:off x="2540745" y="1689095"/>
-              <a:ext cx="5939146" cy="0"/>
+              <a:off x="2542904" y="1691154"/>
+              <a:ext cx="5936987" cy="0"/>
             </a:xfrm>
             <a:custGeom>
               <a:avLst/>
               <a:pathLst>
-                <a:path w="5939146" h="0">
+                <a:path w="5936987" h="0">
                   <a:moveTo>
                     <a:pt x="0" y="0"/>
                   </a:moveTo>
                   <a:lnTo>
-                    <a:pt x="5939146" y="0"/>
-                  </a:lnTo>
-                  <a:lnTo>
-                    <a:pt x="5939146" y="0"/>
+                    <a:pt x="5936987" y="0"/>
+                  </a:lnTo>
+                  <a:lnTo>
+                    <a:pt x="5936987" y="0"/>
                   </a:lnTo>
                 </a:path>
               </a:pathLst>
@@ -4422,21 +4422,21 @@
           </p:nvSpPr>
           <p:spPr>
             <a:xfrm>
-              <a:off x="2540745" y="1462552"/>
-              <a:ext cx="5939146" cy="0"/>
+              <a:off x="2542904" y="1464868"/>
+              <a:ext cx="5936987" cy="0"/>
             </a:xfrm>
             <a:custGeom>
               <a:avLst/>
               <a:pathLst>
-                <a:path w="5939146" h="0">
+                <a:path w="5936987" h="0">
                   <a:moveTo>
                     <a:pt x="0" y="0"/>
                   </a:moveTo>
                   <a:lnTo>
-                    <a:pt x="5939146" y="0"/>
-                  </a:lnTo>
-                  <a:lnTo>
-                    <a:pt x="5939146" y="0"/>
+                    <a:pt x="5936987" y="0"/>
+                  </a:lnTo>
+                  <a:lnTo>
+                    <a:pt x="5936987" y="0"/>
                   </a:lnTo>
                 </a:path>
               </a:pathLst>
@@ -4465,21 +4465,21 @@
           </p:nvSpPr>
           <p:spPr>
             <a:xfrm>
-              <a:off x="2540745" y="1236009"/>
-              <a:ext cx="5939146" cy="0"/>
+              <a:off x="2542904" y="1238582"/>
+              <a:ext cx="5936987" cy="0"/>
             </a:xfrm>
             <a:custGeom>
               <a:avLst/>
               <a:pathLst>
-                <a:path w="5939146" h="0">
+                <a:path w="5936987" h="0">
                   <a:moveTo>
                     <a:pt x="0" y="0"/>
                   </a:moveTo>
                   <a:lnTo>
-                    <a:pt x="5939146" y="0"/>
-                  </a:lnTo>
-                  <a:lnTo>
-                    <a:pt x="5939146" y="0"/>
+                    <a:pt x="5936987" y="0"/>
+                  </a:lnTo>
+                  <a:lnTo>
+                    <a:pt x="5936987" y="0"/>
                   </a:lnTo>
                 </a:path>
               </a:pathLst>
@@ -4508,21 +4508,21 @@
           </p:nvSpPr>
           <p:spPr>
             <a:xfrm>
-              <a:off x="2540745" y="1009466"/>
-              <a:ext cx="5939146" cy="0"/>
+              <a:off x="2542904" y="1012296"/>
+              <a:ext cx="5936987" cy="0"/>
             </a:xfrm>
             <a:custGeom>
               <a:avLst/>
               <a:pathLst>
-                <a:path w="5939146" h="0">
+                <a:path w="5936987" h="0">
                   <a:moveTo>
                     <a:pt x="0" y="0"/>
                   </a:moveTo>
                   <a:lnTo>
-                    <a:pt x="5939146" y="0"/>
-                  </a:lnTo>
-                  <a:lnTo>
-                    <a:pt x="5939146" y="0"/>
+                    <a:pt x="5936987" y="0"/>
+                  </a:lnTo>
+                  <a:lnTo>
+                    <a:pt x="5936987" y="0"/>
                   </a:lnTo>
                 </a:path>
               </a:pathLst>
@@ -4551,15 +4551,15 @@
           </p:nvSpPr>
           <p:spPr>
             <a:xfrm>
-              <a:off x="2540745" y="873540"/>
-              <a:ext cx="0" cy="5708882"/>
+              <a:off x="2542904" y="876525"/>
+              <a:ext cx="0" cy="5702405"/>
             </a:xfrm>
             <a:custGeom>
               <a:avLst/>
               <a:pathLst>
-                <a:path w="0" h="5708882">
+                <a:path w="0" h="5702405">
                   <a:moveTo>
-                    <a:pt x="0" y="5708882"/>
+                    <a:pt x="0" y="5702405"/>
                   </a:moveTo>
                   <a:lnTo>
                     <a:pt x="0" y="0"/>
@@ -4594,15 +4594,15 @@
           </p:nvSpPr>
           <p:spPr>
             <a:xfrm>
-              <a:off x="3542930" y="873540"/>
-              <a:ext cx="0" cy="5708882"/>
+              <a:off x="3544725" y="876525"/>
+              <a:ext cx="0" cy="5702405"/>
             </a:xfrm>
             <a:custGeom>
               <a:avLst/>
               <a:pathLst>
-                <a:path w="0" h="5708882">
+                <a:path w="0" h="5702405">
                   <a:moveTo>
-                    <a:pt x="0" y="5708882"/>
+                    <a:pt x="0" y="5702405"/>
                   </a:moveTo>
                   <a:lnTo>
                     <a:pt x="0" y="0"/>
@@ -4637,15 +4637,15 @@
           </p:nvSpPr>
           <p:spPr>
             <a:xfrm>
-              <a:off x="4545115" y="873540"/>
-              <a:ext cx="0" cy="5708882"/>
+              <a:off x="4546545" y="876525"/>
+              <a:ext cx="0" cy="5702405"/>
             </a:xfrm>
             <a:custGeom>
               <a:avLst/>
               <a:pathLst>
-                <a:path w="0" h="5708882">
+                <a:path w="0" h="5702405">
                   <a:moveTo>
-                    <a:pt x="0" y="5708882"/>
+                    <a:pt x="0" y="5702405"/>
                   </a:moveTo>
                   <a:lnTo>
                     <a:pt x="0" y="0"/>
@@ -4680,15 +4680,15 @@
           </p:nvSpPr>
           <p:spPr>
             <a:xfrm>
-              <a:off x="5547299" y="873540"/>
-              <a:ext cx="0" cy="5708882"/>
+              <a:off x="5548365" y="876525"/>
+              <a:ext cx="0" cy="5702405"/>
             </a:xfrm>
             <a:custGeom>
               <a:avLst/>
               <a:pathLst>
-                <a:path w="0" h="5708882">
+                <a:path w="0" h="5702405">
                   <a:moveTo>
-                    <a:pt x="0" y="5708882"/>
+                    <a:pt x="0" y="5702405"/>
                   </a:moveTo>
                   <a:lnTo>
                     <a:pt x="0" y="0"/>
@@ -4723,15 +4723,15 @@
           </p:nvSpPr>
           <p:spPr>
             <a:xfrm>
-              <a:off x="6549484" y="873540"/>
-              <a:ext cx="0" cy="5708882"/>
+              <a:off x="6550186" y="876525"/>
+              <a:ext cx="0" cy="5702405"/>
             </a:xfrm>
             <a:custGeom>
               <a:avLst/>
               <a:pathLst>
-                <a:path w="0" h="5708882">
+                <a:path w="0" h="5702405">
                   <a:moveTo>
-                    <a:pt x="0" y="5708882"/>
+                    <a:pt x="0" y="5702405"/>
                   </a:moveTo>
                   <a:lnTo>
                     <a:pt x="0" y="0"/>
@@ -4766,15 +4766,15 @@
           </p:nvSpPr>
           <p:spPr>
             <a:xfrm>
-              <a:off x="7551669" y="873540"/>
-              <a:ext cx="0" cy="5708882"/>
+              <a:off x="7552006" y="876525"/>
+              <a:ext cx="0" cy="5702405"/>
             </a:xfrm>
             <a:custGeom>
               <a:avLst/>
               <a:pathLst>
-                <a:path w="0" h="5708882">
+                <a:path w="0" h="5702405">
                   <a:moveTo>
-                    <a:pt x="0" y="5708882"/>
+                    <a:pt x="0" y="5702405"/>
                   </a:moveTo>
                   <a:lnTo>
                     <a:pt x="0" y="0"/>
@@ -4809,8 +4809,8 @@
           </p:nvSpPr>
           <p:spPr>
             <a:xfrm>
-              <a:off x="2540745" y="907522"/>
-              <a:ext cx="5822692" cy="203888"/>
+              <a:off x="2542904" y="910468"/>
+              <a:ext cx="5820576" cy="203657"/>
             </a:xfrm>
             <a:prstGeom prst="rect">
               <a:avLst/>
@@ -4835,8 +4835,8 @@
           </p:nvSpPr>
           <p:spPr>
             <a:xfrm>
-              <a:off x="2540745" y="1134065"/>
-              <a:ext cx="5782605" cy="203888"/>
+              <a:off x="2542904" y="1136754"/>
+              <a:ext cx="5780503" cy="203657"/>
             </a:xfrm>
             <a:prstGeom prst="rect">
               <a:avLst/>
@@ -4861,8 +4861,8 @@
           </p:nvSpPr>
           <p:spPr>
             <a:xfrm>
-              <a:off x="2540745" y="1360608"/>
-              <a:ext cx="5131185" cy="203888"/>
+              <a:off x="2542904" y="1363039"/>
+              <a:ext cx="5129320" cy="203657"/>
             </a:xfrm>
             <a:prstGeom prst="rect">
               <a:avLst/>
@@ -4887,8 +4887,8 @@
           </p:nvSpPr>
           <p:spPr>
             <a:xfrm>
-              <a:off x="2540745" y="1587151"/>
-              <a:ext cx="4960813" cy="203888"/>
+              <a:off x="2542904" y="1589325"/>
+              <a:ext cx="4959010" cy="203657"/>
             </a:xfrm>
             <a:prstGeom prst="rect">
               <a:avLst/>
@@ -4913,8 +4913,8 @@
           </p:nvSpPr>
           <p:spPr>
             <a:xfrm>
-              <a:off x="2540745" y="1813694"/>
-              <a:ext cx="4860595" cy="203888"/>
+              <a:off x="2542904" y="1815611"/>
+              <a:ext cx="4858828" cy="203657"/>
             </a:xfrm>
             <a:prstGeom prst="rect">
               <a:avLst/>
@@ -4939,8 +4939,8 @@
           </p:nvSpPr>
           <p:spPr>
             <a:xfrm>
-              <a:off x="2540745" y="2040237"/>
-              <a:ext cx="4830529" cy="203888"/>
+              <a:off x="2542904" y="2041897"/>
+              <a:ext cx="4828773" cy="203657"/>
             </a:xfrm>
             <a:prstGeom prst="rect">
               <a:avLst/>
@@ -4965,8 +4965,8 @@
           </p:nvSpPr>
           <p:spPr>
             <a:xfrm>
-              <a:off x="2540745" y="2266779"/>
-              <a:ext cx="4610049" cy="203888"/>
+              <a:off x="2542904" y="2268183"/>
+              <a:ext cx="4608373" cy="203657"/>
             </a:xfrm>
             <a:prstGeom prst="rect">
               <a:avLst/>
@@ -4991,8 +4991,8 @@
           </p:nvSpPr>
           <p:spPr>
             <a:xfrm>
-              <a:off x="2540745" y="2493322"/>
-              <a:ext cx="4419634" cy="203888"/>
+              <a:off x="2542904" y="2494469"/>
+              <a:ext cx="4418027" cy="203657"/>
             </a:xfrm>
             <a:prstGeom prst="rect">
               <a:avLst/>
@@ -5017,8 +5017,8 @@
           </p:nvSpPr>
           <p:spPr>
             <a:xfrm>
-              <a:off x="2540745" y="2719865"/>
-              <a:ext cx="4379546" cy="203888"/>
+              <a:off x="2542904" y="2720755"/>
+              <a:ext cx="4377954" cy="203657"/>
             </a:xfrm>
             <a:prstGeom prst="rect">
               <a:avLst/>
@@ -5043,8 +5043,8 @@
           </p:nvSpPr>
           <p:spPr>
             <a:xfrm>
-              <a:off x="2540745" y="2946408"/>
-              <a:ext cx="4018760" cy="203888"/>
+              <a:off x="2542904" y="2947041"/>
+              <a:ext cx="4017299" cy="203657"/>
             </a:xfrm>
             <a:prstGeom prst="rect">
               <a:avLst/>
@@ -5069,8 +5069,8 @@
           </p:nvSpPr>
           <p:spPr>
             <a:xfrm>
-              <a:off x="2540745" y="3172951"/>
-              <a:ext cx="3778236" cy="203888"/>
+              <a:off x="2542904" y="3173327"/>
+              <a:ext cx="3776862" cy="203657"/>
             </a:xfrm>
             <a:prstGeom prst="rect">
               <a:avLst/>
@@ -5095,8 +5095,8 @@
           </p:nvSpPr>
           <p:spPr>
             <a:xfrm>
-              <a:off x="2540745" y="3399494"/>
-              <a:ext cx="3728126" cy="203888"/>
+              <a:off x="2542904" y="3399613"/>
+              <a:ext cx="3726771" cy="203657"/>
             </a:xfrm>
             <a:prstGeom prst="rect">
               <a:avLst/>
@@ -5121,8 +5121,8 @@
           </p:nvSpPr>
           <p:spPr>
             <a:xfrm>
-              <a:off x="2540745" y="3626037"/>
-              <a:ext cx="3527689" cy="203888"/>
+              <a:off x="2542904" y="3625899"/>
+              <a:ext cx="3526407" cy="203657"/>
             </a:xfrm>
             <a:prstGeom prst="rect">
               <a:avLst/>
@@ -5147,8 +5147,8 @@
           </p:nvSpPr>
           <p:spPr>
             <a:xfrm>
-              <a:off x="2540745" y="3852580"/>
-              <a:ext cx="3467558" cy="203888"/>
+              <a:off x="2542904" y="3852185"/>
+              <a:ext cx="3466298" cy="203657"/>
             </a:xfrm>
             <a:prstGeom prst="rect">
               <a:avLst/>
@@ -5173,8 +5173,8 @@
           </p:nvSpPr>
           <p:spPr>
             <a:xfrm>
-              <a:off x="2540745" y="4079123"/>
-              <a:ext cx="3046641" cy="203888"/>
+              <a:off x="2542904" y="4078471"/>
+              <a:ext cx="3045533" cy="203657"/>
             </a:xfrm>
             <a:prstGeom prst="rect">
               <a:avLst/>
@@ -5199,8 +5199,8 @@
           </p:nvSpPr>
           <p:spPr>
             <a:xfrm>
-              <a:off x="2540745" y="4305666"/>
-              <a:ext cx="2986510" cy="203888"/>
+              <a:off x="2542904" y="4304757"/>
+              <a:ext cx="2985424" cy="203657"/>
             </a:xfrm>
             <a:prstGeom prst="rect">
               <a:avLst/>
@@ -5225,8 +5225,8 @@
           </p:nvSpPr>
           <p:spPr>
             <a:xfrm>
-              <a:off x="2540745" y="4532209"/>
-              <a:ext cx="2886291" cy="203888"/>
+              <a:off x="2542904" y="4531043"/>
+              <a:ext cx="2885242" cy="203657"/>
             </a:xfrm>
             <a:prstGeom prst="rect">
               <a:avLst/>
@@ -5251,8 +5251,8 @@
           </p:nvSpPr>
           <p:spPr>
             <a:xfrm>
-              <a:off x="2540745" y="4758752"/>
-              <a:ext cx="2866248" cy="203888"/>
+              <a:off x="2542904" y="4757329"/>
+              <a:ext cx="2865206" cy="203657"/>
             </a:xfrm>
             <a:prstGeom prst="rect">
               <a:avLst/>
@@ -5277,8 +5277,8 @@
           </p:nvSpPr>
           <p:spPr>
             <a:xfrm>
-              <a:off x="2540745" y="4985295"/>
-              <a:ext cx="2565592" cy="203888"/>
+              <a:off x="2542904" y="4983615"/>
+              <a:ext cx="2564660" cy="203657"/>
             </a:xfrm>
             <a:prstGeom prst="rect">
               <a:avLst/>
@@ -5303,8 +5303,8 @@
           </p:nvSpPr>
           <p:spPr>
             <a:xfrm>
-              <a:off x="2540745" y="5211838"/>
-              <a:ext cx="2535527" cy="203888"/>
+              <a:off x="2542904" y="5209901"/>
+              <a:ext cx="2534605" cy="203657"/>
             </a:xfrm>
             <a:prstGeom prst="rect">
               <a:avLst/>
@@ -5329,8 +5329,8 @@
           </p:nvSpPr>
           <p:spPr>
             <a:xfrm>
-              <a:off x="2540745" y="5438381"/>
-              <a:ext cx="2385199" cy="203888"/>
+              <a:off x="2542904" y="5436187"/>
+              <a:ext cx="2384332" cy="203657"/>
             </a:xfrm>
             <a:prstGeom prst="rect">
               <a:avLst/>
@@ -5355,8 +5355,8 @@
           </p:nvSpPr>
           <p:spPr>
             <a:xfrm>
-              <a:off x="2540745" y="5664924"/>
-              <a:ext cx="2345112" cy="203888"/>
+              <a:off x="2542904" y="5662473"/>
+              <a:ext cx="2344259" cy="203657"/>
             </a:xfrm>
             <a:prstGeom prst="rect">
               <a:avLst/>
@@ -5381,8 +5381,8 @@
           </p:nvSpPr>
           <p:spPr>
             <a:xfrm>
-              <a:off x="2540745" y="5891467"/>
-              <a:ext cx="2244893" cy="203888"/>
+              <a:off x="2542904" y="5888758"/>
+              <a:ext cx="2244077" cy="203657"/>
             </a:xfrm>
             <a:prstGeom prst="rect">
               <a:avLst/>
@@ -5407,8 +5407,8 @@
           </p:nvSpPr>
           <p:spPr>
             <a:xfrm>
-              <a:off x="2540745" y="6118010"/>
-              <a:ext cx="2164718" cy="203888"/>
+              <a:off x="2542904" y="6115044"/>
+              <a:ext cx="2163931" cy="203657"/>
             </a:xfrm>
             <a:prstGeom prst="rect">
               <a:avLst/>
@@ -5433,8 +5433,8 @@
           </p:nvSpPr>
           <p:spPr>
             <a:xfrm>
-              <a:off x="2540745" y="6344553"/>
-              <a:ext cx="2054478" cy="203888"/>
+              <a:off x="2542904" y="6341330"/>
+              <a:ext cx="2053731" cy="203657"/>
             </a:xfrm>
             <a:prstGeom prst="rect">
               <a:avLst/>
@@ -5459,7 +5459,7 @@
           </p:nvSpPr>
           <p:spPr>
             <a:xfrm>
-              <a:off x="7793236" y="952447"/>
+              <a:off x="7793282" y="955278"/>
               <a:ext cx="560180" cy="80298"/>
             </a:xfrm>
             <a:prstGeom prst="rect">
@@ -5505,7 +5505,7 @@
           </p:nvSpPr>
           <p:spPr>
             <a:xfrm>
-              <a:off x="6657135" y="1178990"/>
+              <a:off x="6657196" y="1181564"/>
               <a:ext cx="1656193" cy="80298"/>
             </a:xfrm>
             <a:prstGeom prst="rect">
@@ -5551,7 +5551,7 @@
           </p:nvSpPr>
           <p:spPr>
             <a:xfrm>
-              <a:off x="5511912" y="1405533"/>
+              <a:off x="5512209" y="1407850"/>
               <a:ext cx="2149997" cy="80298"/>
             </a:xfrm>
             <a:prstGeom prst="rect">
@@ -5597,7 +5597,7 @@
           </p:nvSpPr>
           <p:spPr>
             <a:xfrm>
-              <a:off x="6226777" y="1632076"/>
+              <a:off x="6227136" y="1634136"/>
               <a:ext cx="1264760" cy="80298"/>
             </a:xfrm>
             <a:prstGeom prst="rect">
@@ -5643,7 +5643,7 @@
           </p:nvSpPr>
           <p:spPr>
             <a:xfrm>
-              <a:off x="4970256" y="1858619"/>
+              <a:off x="4970652" y="1860422"/>
               <a:ext cx="2421062" cy="80298"/>
             </a:xfrm>
             <a:prstGeom prst="rect">
@@ -5689,7 +5689,7 @@
           </p:nvSpPr>
           <p:spPr>
             <a:xfrm>
-              <a:off x="6138627" y="2085162"/>
+              <a:off x="6139034" y="2086708"/>
               <a:ext cx="1222626" cy="80298"/>
             </a:xfrm>
             <a:prstGeom prst="rect">
@@ -5735,7 +5735,7 @@
           </p:nvSpPr>
           <p:spPr>
             <a:xfrm>
-              <a:off x="5556726" y="2311705"/>
+              <a:off x="5557213" y="2312993"/>
               <a:ext cx="1584046" cy="80298"/>
             </a:xfrm>
             <a:prstGeom prst="rect">
@@ -5781,7 +5781,7 @@
           </p:nvSpPr>
           <p:spPr>
             <a:xfrm>
-              <a:off x="6330046" y="2538248"/>
+              <a:off x="6330602" y="2539279"/>
               <a:ext cx="620311" cy="80298"/>
             </a:xfrm>
             <a:prstGeom prst="rect">
@@ -5827,7 +5827,7 @@
           </p:nvSpPr>
           <p:spPr>
             <a:xfrm>
-              <a:off x="4814370" y="2764844"/>
+              <a:off x="4814940" y="2765618"/>
               <a:ext cx="2095900" cy="80245"/>
             </a:xfrm>
             <a:prstGeom prst="rect">
@@ -5873,7 +5873,7 @@
           </p:nvSpPr>
           <p:spPr>
             <a:xfrm>
-              <a:off x="3947711" y="2991387"/>
+              <a:off x="3948413" y="2991904"/>
               <a:ext cx="2601772" cy="80245"/>
             </a:xfrm>
             <a:prstGeom prst="rect">
@@ -5919,7 +5919,7 @@
           </p:nvSpPr>
           <p:spPr>
             <a:xfrm>
-              <a:off x="3454383" y="3217930"/>
+              <a:off x="3455172" y="3218190"/>
               <a:ext cx="2854576" cy="80245"/>
             </a:xfrm>
             <a:prstGeom prst="rect">
@@ -5965,7 +5965,7 @@
           </p:nvSpPr>
           <p:spPr>
             <a:xfrm>
-              <a:off x="3765535" y="3444420"/>
+              <a:off x="3766343" y="3444423"/>
               <a:ext cx="2493314" cy="80298"/>
             </a:xfrm>
             <a:prstGeom prst="rect">
@@ -6011,7 +6011,7 @@
           </p:nvSpPr>
           <p:spPr>
             <a:xfrm>
-              <a:off x="5028460" y="3670963"/>
+              <a:off x="5029340" y="3670709"/>
               <a:ext cx="1029953" cy="80298"/>
             </a:xfrm>
             <a:prstGeom prst="rect">
@@ -6057,7 +6057,7 @@
           </p:nvSpPr>
           <p:spPr>
             <a:xfrm>
-              <a:off x="4143435" y="3897506"/>
+              <a:off x="4144337" y="3896995"/>
               <a:ext cx="1854847" cy="80298"/>
             </a:xfrm>
             <a:prstGeom prst="rect">
@@ -6103,7 +6103,7 @@
           </p:nvSpPr>
           <p:spPr>
             <a:xfrm>
-              <a:off x="3909156" y="4124049"/>
+              <a:off x="3910211" y="4123281"/>
               <a:ext cx="1668208" cy="80298"/>
             </a:xfrm>
             <a:prstGeom prst="rect">
@@ -6149,7 +6149,7 @@
           </p:nvSpPr>
           <p:spPr>
             <a:xfrm>
-              <a:off x="4680165" y="4344187"/>
+              <a:off x="4681242" y="4343162"/>
               <a:ext cx="837068" cy="86702"/>
             </a:xfrm>
             <a:prstGeom prst="rect">
@@ -6195,7 +6195,7 @@
           </p:nvSpPr>
           <p:spPr>
             <a:xfrm>
-              <a:off x="5437059" y="4592655"/>
+              <a:off x="5438165" y="4591373"/>
               <a:ext cx="1843096" cy="80298"/>
             </a:xfrm>
             <a:prstGeom prst="rect">
@@ -6241,7 +6241,7 @@
           </p:nvSpPr>
           <p:spPr>
             <a:xfrm>
-              <a:off x="5417015" y="4819198"/>
+              <a:off x="5418129" y="4817659"/>
               <a:ext cx="1156408" cy="80298"/>
             </a:xfrm>
             <a:prstGeom prst="rect">
@@ -6287,7 +6287,7 @@
           </p:nvSpPr>
           <p:spPr>
             <a:xfrm>
-              <a:off x="5116360" y="5045741"/>
+              <a:off x="5117583" y="5043945"/>
               <a:ext cx="2572130" cy="80298"/>
             </a:xfrm>
             <a:prstGeom prst="rect">
@@ -6333,7 +6333,7 @@
           </p:nvSpPr>
           <p:spPr>
             <a:xfrm>
-              <a:off x="5086294" y="5272284"/>
+              <a:off x="5087528" y="5270231"/>
               <a:ext cx="1764651" cy="80298"/>
             </a:xfrm>
             <a:prstGeom prst="rect">
@@ -6379,7 +6379,7 @@
           </p:nvSpPr>
           <p:spPr>
             <a:xfrm>
-              <a:off x="4935967" y="5498827"/>
+              <a:off x="4937255" y="5496516"/>
               <a:ext cx="2361090" cy="80298"/>
             </a:xfrm>
             <a:prstGeom prst="rect">
@@ -6425,7 +6425,7 @@
           </p:nvSpPr>
           <p:spPr>
             <a:xfrm>
-              <a:off x="4895879" y="5725370"/>
+              <a:off x="4897182" y="5722802"/>
               <a:ext cx="1764863" cy="80298"/>
             </a:xfrm>
             <a:prstGeom prst="rect">
@@ -6471,7 +6471,7 @@
           </p:nvSpPr>
           <p:spPr>
             <a:xfrm>
-              <a:off x="4795661" y="5951913"/>
+              <a:off x="4797000" y="5949088"/>
               <a:ext cx="2234582" cy="80298"/>
             </a:xfrm>
             <a:prstGeom prst="rect">
@@ -6517,7 +6517,7 @@
           </p:nvSpPr>
           <p:spPr>
             <a:xfrm>
-              <a:off x="4715486" y="6178456"/>
+              <a:off x="4716854" y="6175374"/>
               <a:ext cx="1632373" cy="80298"/>
             </a:xfrm>
             <a:prstGeom prst="rect">
@@ -6563,7 +6563,7 @@
           </p:nvSpPr>
           <p:spPr>
             <a:xfrm>
-              <a:off x="4605246" y="6404999"/>
+              <a:off x="4606654" y="6401660"/>
               <a:ext cx="3415075" cy="80298"/>
             </a:xfrm>
             <a:prstGeom prst="rect">
@@ -6609,8 +6609,8 @@
           </p:nvSpPr>
           <p:spPr>
             <a:xfrm>
-              <a:off x="2540745" y="873540"/>
-              <a:ext cx="5939146" cy="5708882"/>
+              <a:off x="2542904" y="876525"/>
+              <a:ext cx="5936987" cy="5702405"/>
             </a:xfrm>
             <a:prstGeom prst="rect">
               <a:avLst/>
@@ -6639,7 +6639,7 @@
           </p:nvSpPr>
           <p:spPr>
             <a:xfrm>
-              <a:off x="2381640" y="6404806"/>
+              <a:off x="2383799" y="6401467"/>
               <a:ext cx="124311" cy="81691"/>
             </a:xfrm>
             <a:prstGeom prst="rect">
@@ -6685,7 +6685,7 @@
           </p:nvSpPr>
           <p:spPr>
             <a:xfrm>
-              <a:off x="2381640" y="6179627"/>
+              <a:off x="2383799" y="6176546"/>
               <a:ext cx="124311" cy="80327"/>
             </a:xfrm>
             <a:prstGeom prst="rect">
@@ -6731,7 +6731,7 @@
           </p:nvSpPr>
           <p:spPr>
             <a:xfrm>
-              <a:off x="2381640" y="5951720"/>
+              <a:off x="2383799" y="5948895"/>
               <a:ext cx="124311" cy="81691"/>
             </a:xfrm>
             <a:prstGeom prst="rect">
@@ -6777,7 +6777,7 @@
           </p:nvSpPr>
           <p:spPr>
             <a:xfrm>
-              <a:off x="2381640" y="5726541"/>
+              <a:off x="2383799" y="5723974"/>
               <a:ext cx="124311" cy="80327"/>
             </a:xfrm>
             <a:prstGeom prst="rect">
@@ -6823,7 +6823,7 @@
           </p:nvSpPr>
           <p:spPr>
             <a:xfrm>
-              <a:off x="2381640" y="5499998"/>
+              <a:off x="2383799" y="5497688"/>
               <a:ext cx="124311" cy="80327"/>
             </a:xfrm>
             <a:prstGeom prst="rect">
@@ -6869,7 +6869,7 @@
           </p:nvSpPr>
           <p:spPr>
             <a:xfrm>
-              <a:off x="2381640" y="5272091"/>
+              <a:off x="2383799" y="5270038"/>
               <a:ext cx="124311" cy="81691"/>
             </a:xfrm>
             <a:prstGeom prst="rect">
@@ -6915,7 +6915,7 @@
           </p:nvSpPr>
           <p:spPr>
             <a:xfrm>
-              <a:off x="2381640" y="5045493"/>
+              <a:off x="2383799" y="5043697"/>
               <a:ext cx="124311" cy="81746"/>
             </a:xfrm>
             <a:prstGeom prst="rect">
@@ -6961,7 +6961,7 @@
           </p:nvSpPr>
           <p:spPr>
             <a:xfrm>
-              <a:off x="2381640" y="4818950"/>
+              <a:off x="2383799" y="4817411"/>
               <a:ext cx="124311" cy="81746"/>
             </a:xfrm>
             <a:prstGeom prst="rect">
@@ -7007,7 +7007,7 @@
           </p:nvSpPr>
           <p:spPr>
             <a:xfrm>
-              <a:off x="2381640" y="4593826"/>
+              <a:off x="2383799" y="4592544"/>
               <a:ext cx="124311" cy="80327"/>
             </a:xfrm>
             <a:prstGeom prst="rect">
@@ -7053,7 +7053,7 @@
           </p:nvSpPr>
           <p:spPr>
             <a:xfrm>
-              <a:off x="2381640" y="4365919"/>
+              <a:off x="2383799" y="4364894"/>
               <a:ext cx="124311" cy="81691"/>
             </a:xfrm>
             <a:prstGeom prst="rect">
@@ -7099,7 +7099,7 @@
           </p:nvSpPr>
           <p:spPr>
             <a:xfrm>
-              <a:off x="2381640" y="4139376"/>
+              <a:off x="2383799" y="4138608"/>
               <a:ext cx="124311" cy="81691"/>
             </a:xfrm>
             <a:prstGeom prst="rect">
@@ -7145,7 +7145,7 @@
           </p:nvSpPr>
           <p:spPr>
             <a:xfrm>
-              <a:off x="2381640" y="3914197"/>
+              <a:off x="2383799" y="3913686"/>
               <a:ext cx="124311" cy="80327"/>
             </a:xfrm>
             <a:prstGeom prst="rect">
@@ -7191,7 +7191,7 @@
           </p:nvSpPr>
           <p:spPr>
             <a:xfrm>
-              <a:off x="2381640" y="3686290"/>
+              <a:off x="2383799" y="3686036"/>
               <a:ext cx="124311" cy="81691"/>
             </a:xfrm>
             <a:prstGeom prst="rect">
@@ -7237,7 +7237,7 @@
           </p:nvSpPr>
           <p:spPr>
             <a:xfrm>
-              <a:off x="2381640" y="3461111"/>
+              <a:off x="2383799" y="3461114"/>
               <a:ext cx="124311" cy="80327"/>
             </a:xfrm>
             <a:prstGeom prst="rect">
@@ -7283,7 +7283,7 @@
           </p:nvSpPr>
           <p:spPr>
             <a:xfrm>
-              <a:off x="2381640" y="3234568"/>
+              <a:off x="2383799" y="3234828"/>
               <a:ext cx="124311" cy="80327"/>
             </a:xfrm>
             <a:prstGeom prst="rect">
@@ -7329,7 +7329,7 @@
           </p:nvSpPr>
           <p:spPr>
             <a:xfrm>
-              <a:off x="2381640" y="3006661"/>
+              <a:off x="2383799" y="3007178"/>
               <a:ext cx="124311" cy="81691"/>
             </a:xfrm>
             <a:prstGeom prst="rect">
@@ -7375,7 +7375,7 @@
           </p:nvSpPr>
           <p:spPr>
             <a:xfrm>
-              <a:off x="2443795" y="2780063"/>
+              <a:off x="2445954" y="2780838"/>
               <a:ext cx="62155" cy="81746"/>
             </a:xfrm>
             <a:prstGeom prst="rect">
@@ -7421,7 +7421,7 @@
           </p:nvSpPr>
           <p:spPr>
             <a:xfrm>
-              <a:off x="2443795" y="2553521"/>
+              <a:off x="2445954" y="2554552"/>
               <a:ext cx="62155" cy="81746"/>
             </a:xfrm>
             <a:prstGeom prst="rect">
@@ -7467,7 +7467,7 @@
           </p:nvSpPr>
           <p:spPr>
             <a:xfrm>
-              <a:off x="2443795" y="2329815"/>
+              <a:off x="2445954" y="2331103"/>
               <a:ext cx="62155" cy="78908"/>
             </a:xfrm>
             <a:prstGeom prst="rect">
@@ -7513,7 +7513,7 @@
           </p:nvSpPr>
           <p:spPr>
             <a:xfrm>
-              <a:off x="2443795" y="2100489"/>
+              <a:off x="2445954" y="2102034"/>
               <a:ext cx="62155" cy="81691"/>
             </a:xfrm>
             <a:prstGeom prst="rect">
@@ -7559,7 +7559,7 @@
           </p:nvSpPr>
           <p:spPr>
             <a:xfrm>
-              <a:off x="2443795" y="1875365"/>
+              <a:off x="2445954" y="1877167"/>
               <a:ext cx="62155" cy="80272"/>
             </a:xfrm>
             <a:prstGeom prst="rect">
@@ -7605,7 +7605,7 @@
           </p:nvSpPr>
           <p:spPr>
             <a:xfrm>
-              <a:off x="2443795" y="1648767"/>
+              <a:off x="2445954" y="1650827"/>
               <a:ext cx="62155" cy="80327"/>
             </a:xfrm>
             <a:prstGeom prst="rect">
@@ -7651,7 +7651,7 @@
           </p:nvSpPr>
           <p:spPr>
             <a:xfrm>
-              <a:off x="2443795" y="1420860"/>
+              <a:off x="2445954" y="1423176"/>
               <a:ext cx="62155" cy="81691"/>
             </a:xfrm>
             <a:prstGeom prst="rect">
@@ -7697,7 +7697,7 @@
           </p:nvSpPr>
           <p:spPr>
             <a:xfrm>
-              <a:off x="2443795" y="1195681"/>
+              <a:off x="2445954" y="1198255"/>
               <a:ext cx="62155" cy="80327"/>
             </a:xfrm>
             <a:prstGeom prst="rect">
@@ -7743,7 +7743,7 @@
           </p:nvSpPr>
           <p:spPr>
             <a:xfrm>
-              <a:off x="2443795" y="969139"/>
+              <a:off x="2445954" y="971969"/>
               <a:ext cx="62155" cy="80327"/>
             </a:xfrm>
             <a:prstGeom prst="rect">
@@ -7789,7 +7789,7 @@
           </p:nvSpPr>
           <p:spPr>
             <a:xfrm>
-              <a:off x="2505951" y="6446497"/>
+              <a:off x="2508110" y="6443159"/>
               <a:ext cx="34794" cy="0"/>
             </a:xfrm>
             <a:custGeom>
@@ -7829,7 +7829,7 @@
           </p:nvSpPr>
           <p:spPr>
             <a:xfrm>
-              <a:off x="2505951" y="6219954"/>
+              <a:off x="2508110" y="6216873"/>
               <a:ext cx="34794" cy="0"/>
             </a:xfrm>
             <a:custGeom>
@@ -7869,7 +7869,7 @@
           </p:nvSpPr>
           <p:spPr>
             <a:xfrm>
-              <a:off x="2505951" y="5993411"/>
+              <a:off x="2508110" y="5990587"/>
               <a:ext cx="34794" cy="0"/>
             </a:xfrm>
             <a:custGeom>
@@ -7909,7 +7909,7 @@
           </p:nvSpPr>
           <p:spPr>
             <a:xfrm>
-              <a:off x="2505951" y="5766868"/>
+              <a:off x="2508110" y="5764301"/>
               <a:ext cx="34794" cy="0"/>
             </a:xfrm>
             <a:custGeom>
@@ -7949,7 +7949,7 @@
           </p:nvSpPr>
           <p:spPr>
             <a:xfrm>
-              <a:off x="2505951" y="5540325"/>
+              <a:off x="2508110" y="5538015"/>
               <a:ext cx="34794" cy="0"/>
             </a:xfrm>
             <a:custGeom>
@@ -7989,7 +7989,7 @@
           </p:nvSpPr>
           <p:spPr>
             <a:xfrm>
-              <a:off x="2505951" y="5313782"/>
+              <a:off x="2508110" y="5311729"/>
               <a:ext cx="34794" cy="0"/>
             </a:xfrm>
             <a:custGeom>
@@ -8029,7 +8029,7 @@
           </p:nvSpPr>
           <p:spPr>
             <a:xfrm>
-              <a:off x="2505951" y="5087240"/>
+              <a:off x="2508110" y="5085443"/>
               <a:ext cx="34794" cy="0"/>
             </a:xfrm>
             <a:custGeom>
@@ -8069,7 +8069,7 @@
           </p:nvSpPr>
           <p:spPr>
             <a:xfrm>
-              <a:off x="2505951" y="4860697"/>
+              <a:off x="2508110" y="4859157"/>
               <a:ext cx="34794" cy="0"/>
             </a:xfrm>
             <a:custGeom>
@@ -8109,7 +8109,7 @@
           </p:nvSpPr>
           <p:spPr>
             <a:xfrm>
-              <a:off x="2505951" y="4634154"/>
+              <a:off x="2508110" y="4632871"/>
               <a:ext cx="34794" cy="0"/>
             </a:xfrm>
             <a:custGeom>
@@ -8149,7 +8149,7 @@
           </p:nvSpPr>
           <p:spPr>
             <a:xfrm>
-              <a:off x="2505951" y="4407611"/>
+              <a:off x="2508110" y="4406586"/>
               <a:ext cx="34794" cy="0"/>
             </a:xfrm>
             <a:custGeom>
@@ -8189,7 +8189,7 @@
           </p:nvSpPr>
           <p:spPr>
             <a:xfrm>
-              <a:off x="2505951" y="4181068"/>
+              <a:off x="2508110" y="4180300"/>
               <a:ext cx="34794" cy="0"/>
             </a:xfrm>
             <a:custGeom>
@@ -8229,7 +8229,7 @@
           </p:nvSpPr>
           <p:spPr>
             <a:xfrm>
-              <a:off x="2505951" y="3954525"/>
+              <a:off x="2508110" y="3954014"/>
               <a:ext cx="34794" cy="0"/>
             </a:xfrm>
             <a:custGeom>
@@ -8269,7 +8269,7 @@
           </p:nvSpPr>
           <p:spPr>
             <a:xfrm>
-              <a:off x="2505951" y="3727982"/>
+              <a:off x="2508110" y="3727728"/>
               <a:ext cx="34794" cy="0"/>
             </a:xfrm>
             <a:custGeom>
@@ -8309,7 +8309,7 @@
           </p:nvSpPr>
           <p:spPr>
             <a:xfrm>
-              <a:off x="2505951" y="3501439"/>
+              <a:off x="2508110" y="3501442"/>
               <a:ext cx="34794" cy="0"/>
             </a:xfrm>
             <a:custGeom>
@@ -8349,7 +8349,7 @@
           </p:nvSpPr>
           <p:spPr>
             <a:xfrm>
-              <a:off x="2505951" y="3274896"/>
+              <a:off x="2508110" y="3275156"/>
               <a:ext cx="34794" cy="0"/>
             </a:xfrm>
             <a:custGeom>
@@ -8389,7 +8389,7 @@
           </p:nvSpPr>
           <p:spPr>
             <a:xfrm>
-              <a:off x="2505951" y="3048353"/>
+              <a:off x="2508110" y="3048870"/>
               <a:ext cx="34794" cy="0"/>
             </a:xfrm>
             <a:custGeom>
@@ -8429,7 +8429,7 @@
           </p:nvSpPr>
           <p:spPr>
             <a:xfrm>
-              <a:off x="2505951" y="2821810"/>
+              <a:off x="2508110" y="2822584"/>
               <a:ext cx="34794" cy="0"/>
             </a:xfrm>
             <a:custGeom>
@@ -8469,7 +8469,7 @@
           </p:nvSpPr>
           <p:spPr>
             <a:xfrm>
-              <a:off x="2505951" y="2595267"/>
+              <a:off x="2508110" y="2596298"/>
               <a:ext cx="34794" cy="0"/>
             </a:xfrm>
             <a:custGeom>
@@ -8509,7 +8509,7 @@
           </p:nvSpPr>
           <p:spPr>
             <a:xfrm>
-              <a:off x="2505951" y="2368724"/>
+              <a:off x="2508110" y="2370012"/>
               <a:ext cx="34794" cy="0"/>
             </a:xfrm>
             <a:custGeom>
@@ -8549,7 +8549,7 @@
           </p:nvSpPr>
           <p:spPr>
             <a:xfrm>
-              <a:off x="2505951" y="2142181"/>
+              <a:off x="2508110" y="2143726"/>
               <a:ext cx="34794" cy="0"/>
             </a:xfrm>
             <a:custGeom>
@@ -8589,7 +8589,7 @@
           </p:nvSpPr>
           <p:spPr>
             <a:xfrm>
-              <a:off x="2505951" y="1915638"/>
+              <a:off x="2508110" y="1917440"/>
               <a:ext cx="34794" cy="0"/>
             </a:xfrm>
             <a:custGeom>
@@ -8629,7 +8629,7 @@
           </p:nvSpPr>
           <p:spPr>
             <a:xfrm>
-              <a:off x="2505951" y="1689095"/>
+              <a:off x="2508110" y="1691154"/>
               <a:ext cx="34794" cy="0"/>
             </a:xfrm>
             <a:custGeom>
@@ -8669,7 +8669,7 @@
           </p:nvSpPr>
           <p:spPr>
             <a:xfrm>
-              <a:off x="2505951" y="1462552"/>
+              <a:off x="2508110" y="1464868"/>
               <a:ext cx="34794" cy="0"/>
             </a:xfrm>
             <a:custGeom>
@@ -8709,7 +8709,7 @@
           </p:nvSpPr>
           <p:spPr>
             <a:xfrm>
-              <a:off x="2505951" y="1236009"/>
+              <a:off x="2508110" y="1238582"/>
               <a:ext cx="34794" cy="0"/>
             </a:xfrm>
             <a:custGeom>
@@ -8749,7 +8749,7 @@
           </p:nvSpPr>
           <p:spPr>
             <a:xfrm>
-              <a:off x="2505951" y="1009466"/>
+              <a:off x="2508110" y="1012296"/>
               <a:ext cx="34794" cy="0"/>
             </a:xfrm>
             <a:custGeom>
@@ -8789,7 +8789,7 @@
           </p:nvSpPr>
           <p:spPr>
             <a:xfrm>
-              <a:off x="2540745" y="6582423"/>
+              <a:off x="2542904" y="6578931"/>
               <a:ext cx="0" cy="34794"/>
             </a:xfrm>
             <a:custGeom>
@@ -8829,7 +8829,7 @@
           </p:nvSpPr>
           <p:spPr>
             <a:xfrm>
-              <a:off x="3542930" y="6582423"/>
+              <a:off x="3544725" y="6578931"/>
               <a:ext cx="0" cy="34794"/>
             </a:xfrm>
             <a:custGeom>
@@ -8869,7 +8869,7 @@
           </p:nvSpPr>
           <p:spPr>
             <a:xfrm>
-              <a:off x="4545115" y="6582423"/>
+              <a:off x="4546545" y="6578931"/>
               <a:ext cx="0" cy="34794"/>
             </a:xfrm>
             <a:custGeom>
@@ -8909,7 +8909,7 @@
           </p:nvSpPr>
           <p:spPr>
             <a:xfrm>
-              <a:off x="5547299" y="6582423"/>
+              <a:off x="5548365" y="6578931"/>
               <a:ext cx="0" cy="34794"/>
             </a:xfrm>
             <a:custGeom>
@@ -8949,7 +8949,7 @@
           </p:nvSpPr>
           <p:spPr>
             <a:xfrm>
-              <a:off x="6549484" y="6582423"/>
+              <a:off x="6550186" y="6578931"/>
               <a:ext cx="0" cy="34794"/>
             </a:xfrm>
             <a:custGeom>
@@ -8989,7 +8989,7 @@
           </p:nvSpPr>
           <p:spPr>
             <a:xfrm>
-              <a:off x="7551669" y="6582423"/>
+              <a:off x="7552006" y="6578931"/>
               <a:ext cx="0" cy="34794"/>
             </a:xfrm>
             <a:custGeom>
@@ -9029,7 +9029,7 @@
           </p:nvSpPr>
           <p:spPr>
             <a:xfrm>
-              <a:off x="2509668" y="6643362"/>
+              <a:off x="2511827" y="6639869"/>
               <a:ext cx="62155" cy="81691"/>
             </a:xfrm>
             <a:prstGeom prst="rect">
@@ -9075,7 +9075,7 @@
           </p:nvSpPr>
           <p:spPr>
             <a:xfrm>
-              <a:off x="3449697" y="6643362"/>
+              <a:off x="3451491" y="6639869"/>
               <a:ext cx="186466" cy="81691"/>
             </a:xfrm>
             <a:prstGeom prst="rect">
@@ -9121,7 +9121,7 @@
           </p:nvSpPr>
           <p:spPr>
             <a:xfrm>
-              <a:off x="4451881" y="6643362"/>
+              <a:off x="4453312" y="6639869"/>
               <a:ext cx="186466" cy="81691"/>
             </a:xfrm>
             <a:prstGeom prst="rect">
@@ -9167,7 +9167,7 @@
           </p:nvSpPr>
           <p:spPr>
             <a:xfrm>
-              <a:off x="5454066" y="6643307"/>
+              <a:off x="5455132" y="6639815"/>
               <a:ext cx="186466" cy="81746"/>
             </a:xfrm>
             <a:prstGeom prst="rect">
@@ -9213,7 +9213,7 @@
           </p:nvSpPr>
           <p:spPr>
             <a:xfrm>
-              <a:off x="6456251" y="6643362"/>
+              <a:off x="6456952" y="6639869"/>
               <a:ext cx="186466" cy="81691"/>
             </a:xfrm>
             <a:prstGeom prst="rect">
@@ -9259,7 +9259,7 @@
           </p:nvSpPr>
           <p:spPr>
             <a:xfrm>
-              <a:off x="7458435" y="6643362"/>
+              <a:off x="7458773" y="6639869"/>
               <a:ext cx="186466" cy="81691"/>
             </a:xfrm>
             <a:prstGeom prst="rect">
@@ -9305,7 +9305,7 @@
           </p:nvSpPr>
           <p:spPr>
             <a:xfrm>
-              <a:off x="5285148" y="6782023"/>
+              <a:off x="5286227" y="6779864"/>
               <a:ext cx="450341" cy="101637"/>
             </a:xfrm>
             <a:prstGeom prst="rect">
@@ -9351,7 +9351,7 @@
           </p:nvSpPr>
           <p:spPr>
             <a:xfrm>
-              <a:off x="2540745" y="646521"/>
+              <a:off x="2542904" y="646521"/>
               <a:ext cx="978254" cy="124092"/>
             </a:xfrm>
             <a:prstGeom prst="rect">

--- a/_book/plot/global-source-1.pptx
+++ b/_book/plot/global-source-1.pptx
@@ -7,14 +7,14 @@
   <p:sldIdLst xmlns:a="http://schemas.openxmlformats.org/drawingml/2006/main" xmlns:r="http://schemas.openxmlformats.org/officeDocument/2006/relationships" xmlns:p="http://schemas.openxmlformats.org/presentationml/2006/main">
     <p:sldId id="256" r:id="rId6"/>
   </p:sldIdLst>
-  <p:sldSz cx="10698163" cy="7562850"/>
+  <p:sldSz cx="15087600" cy="10698163"/>
   <p:notesSz cx="6858000" cy="9144000"/>
   <p:defaultTextStyle>
     <a:defPPr>
       <a:defRPr lang="en-US"/>
     </a:defPPr>
-    <a:lvl1pPr marL="0" algn="l" defTabSz="995964" rtl="0" eaLnBrk="1" latinLnBrk="0" hangingPunct="1">
-      <a:defRPr sz="2000" kern="1200">
+    <a:lvl1pPr marL="0" algn="l" defTabSz="1052474" rtl="0" eaLnBrk="1" latinLnBrk="0" hangingPunct="1">
+      <a:defRPr sz="2100" kern="1200">
         <a:solidFill>
           <a:schemeClr val="tx1"/>
         </a:solidFill>
@@ -23,8 +23,8 @@
         <a:cs typeface="+mn-cs"/>
       </a:defRPr>
     </a:lvl1pPr>
-    <a:lvl2pPr marL="497982" algn="l" defTabSz="995964" rtl="0" eaLnBrk="1" latinLnBrk="0" hangingPunct="1">
-      <a:defRPr sz="2000" kern="1200">
+    <a:lvl2pPr marL="526237" algn="l" defTabSz="1052474" rtl="0" eaLnBrk="1" latinLnBrk="0" hangingPunct="1">
+      <a:defRPr sz="2100" kern="1200">
         <a:solidFill>
           <a:schemeClr val="tx1"/>
         </a:solidFill>
@@ -33,8 +33,8 @@
         <a:cs typeface="+mn-cs"/>
       </a:defRPr>
     </a:lvl2pPr>
-    <a:lvl3pPr marL="995964" algn="l" defTabSz="995964" rtl="0" eaLnBrk="1" latinLnBrk="0" hangingPunct="1">
-      <a:defRPr sz="2000" kern="1200">
+    <a:lvl3pPr marL="1052474" algn="l" defTabSz="1052474" rtl="0" eaLnBrk="1" latinLnBrk="0" hangingPunct="1">
+      <a:defRPr sz="2100" kern="1200">
         <a:solidFill>
           <a:schemeClr val="tx1"/>
         </a:solidFill>
@@ -43,8 +43,8 @@
         <a:cs typeface="+mn-cs"/>
       </a:defRPr>
     </a:lvl3pPr>
-    <a:lvl4pPr marL="1493947" algn="l" defTabSz="995964" rtl="0" eaLnBrk="1" latinLnBrk="0" hangingPunct="1">
-      <a:defRPr sz="2000" kern="1200">
+    <a:lvl4pPr marL="1578712" algn="l" defTabSz="1052474" rtl="0" eaLnBrk="1" latinLnBrk="0" hangingPunct="1">
+      <a:defRPr sz="2100" kern="1200">
         <a:solidFill>
           <a:schemeClr val="tx1"/>
         </a:solidFill>
@@ -53,8 +53,8 @@
         <a:cs typeface="+mn-cs"/>
       </a:defRPr>
     </a:lvl4pPr>
-    <a:lvl5pPr marL="1991929" algn="l" defTabSz="995964" rtl="0" eaLnBrk="1" latinLnBrk="0" hangingPunct="1">
-      <a:defRPr sz="2000" kern="1200">
+    <a:lvl5pPr marL="2104949" algn="l" defTabSz="1052474" rtl="0" eaLnBrk="1" latinLnBrk="0" hangingPunct="1">
+      <a:defRPr sz="2100" kern="1200">
         <a:solidFill>
           <a:schemeClr val="tx1"/>
         </a:solidFill>
@@ -63,8 +63,8 @@
         <a:cs typeface="+mn-cs"/>
       </a:defRPr>
     </a:lvl5pPr>
-    <a:lvl6pPr marL="2489911" algn="l" defTabSz="995964" rtl="0" eaLnBrk="1" latinLnBrk="0" hangingPunct="1">
-      <a:defRPr sz="2000" kern="1200">
+    <a:lvl6pPr marL="2631186" algn="l" defTabSz="1052474" rtl="0" eaLnBrk="1" latinLnBrk="0" hangingPunct="1">
+      <a:defRPr sz="2100" kern="1200">
         <a:solidFill>
           <a:schemeClr val="tx1"/>
         </a:solidFill>
@@ -73,8 +73,8 @@
         <a:cs typeface="+mn-cs"/>
       </a:defRPr>
     </a:lvl6pPr>
-    <a:lvl7pPr marL="2987893" algn="l" defTabSz="995964" rtl="0" eaLnBrk="1" latinLnBrk="0" hangingPunct="1">
-      <a:defRPr sz="2000" kern="1200">
+    <a:lvl7pPr marL="3157423" algn="l" defTabSz="1052474" rtl="0" eaLnBrk="1" latinLnBrk="0" hangingPunct="1">
+      <a:defRPr sz="2100" kern="1200">
         <a:solidFill>
           <a:schemeClr val="tx1"/>
         </a:solidFill>
@@ -83,8 +83,8 @@
         <a:cs typeface="+mn-cs"/>
       </a:defRPr>
     </a:lvl7pPr>
-    <a:lvl8pPr marL="3485876" algn="l" defTabSz="995964" rtl="0" eaLnBrk="1" latinLnBrk="0" hangingPunct="1">
-      <a:defRPr sz="2000" kern="1200">
+    <a:lvl8pPr marL="3683660" algn="l" defTabSz="1052474" rtl="0" eaLnBrk="1" latinLnBrk="0" hangingPunct="1">
+      <a:defRPr sz="2100" kern="1200">
         <a:solidFill>
           <a:schemeClr val="tx1"/>
         </a:solidFill>
@@ -93,8 +93,8 @@
         <a:cs typeface="+mn-cs"/>
       </a:defRPr>
     </a:lvl8pPr>
-    <a:lvl9pPr marL="3983858" algn="l" defTabSz="995964" rtl="0" eaLnBrk="1" latinLnBrk="0" hangingPunct="1">
-      <a:defRPr sz="2000" kern="1200">
+    <a:lvl9pPr marL="4209898" algn="l" defTabSz="1052474" rtl="0" eaLnBrk="1" latinLnBrk="0" hangingPunct="1">
+      <a:defRPr sz="2100" kern="1200">
         <a:solidFill>
           <a:schemeClr val="tx1"/>
         </a:solidFill>
@@ -136,8 +136,8 @@
         </p:nvSpPr>
         <p:spPr>
           <a:xfrm>
-            <a:off x="802362" y="2349388"/>
-            <a:ext cx="9093439" cy="1621111"/>
+            <a:off x="1131570" y="3323370"/>
+            <a:ext cx="12824460" cy="2293171"/>
           </a:xfrm>
         </p:spPr>
         <p:txBody>
@@ -164,8 +164,8 @@
         </p:nvSpPr>
         <p:spPr>
           <a:xfrm>
-            <a:off x="1604725" y="4285615"/>
-            <a:ext cx="7488714" cy="1932728"/>
+            <a:off x="2263140" y="6062292"/>
+            <a:ext cx="10561320" cy="2733975"/>
           </a:xfrm>
         </p:spPr>
         <p:txBody>
@@ -181,7 +181,7 @@
                 </a:solidFill>
               </a:defRPr>
             </a:lvl1pPr>
-            <a:lvl2pPr marL="497982" indent="0" algn="ctr">
+            <a:lvl2pPr marL="526237" indent="0" algn="ctr">
               <a:buNone/>
               <a:defRPr>
                 <a:solidFill>
@@ -191,7 +191,7 @@
                 </a:solidFill>
               </a:defRPr>
             </a:lvl2pPr>
-            <a:lvl3pPr marL="995964" indent="0" algn="ctr">
+            <a:lvl3pPr marL="1052474" indent="0" algn="ctr">
               <a:buNone/>
               <a:defRPr>
                 <a:solidFill>
@@ -201,7 +201,7 @@
                 </a:solidFill>
               </a:defRPr>
             </a:lvl3pPr>
-            <a:lvl4pPr marL="1493947" indent="0" algn="ctr">
+            <a:lvl4pPr marL="1578712" indent="0" algn="ctr">
               <a:buNone/>
               <a:defRPr>
                 <a:solidFill>
@@ -211,7 +211,7 @@
                 </a:solidFill>
               </a:defRPr>
             </a:lvl4pPr>
-            <a:lvl5pPr marL="1991929" indent="0" algn="ctr">
+            <a:lvl5pPr marL="2104949" indent="0" algn="ctr">
               <a:buNone/>
               <a:defRPr>
                 <a:solidFill>
@@ -221,7 +221,7 @@
                 </a:solidFill>
               </a:defRPr>
             </a:lvl5pPr>
-            <a:lvl6pPr marL="2489911" indent="0" algn="ctr">
+            <a:lvl6pPr marL="2631186" indent="0" algn="ctr">
               <a:buNone/>
               <a:defRPr>
                 <a:solidFill>
@@ -231,7 +231,7 @@
                 </a:solidFill>
               </a:defRPr>
             </a:lvl6pPr>
-            <a:lvl7pPr marL="2987893" indent="0" algn="ctr">
+            <a:lvl7pPr marL="3157423" indent="0" algn="ctr">
               <a:buNone/>
               <a:defRPr>
                 <a:solidFill>
@@ -241,7 +241,7 @@
                 </a:solidFill>
               </a:defRPr>
             </a:lvl7pPr>
-            <a:lvl8pPr marL="3485876" indent="0" algn="ctr">
+            <a:lvl8pPr marL="3683660" indent="0" algn="ctr">
               <a:buNone/>
               <a:defRPr>
                 <a:solidFill>
@@ -251,7 +251,7 @@
                 </a:solidFill>
               </a:defRPr>
             </a:lvl8pPr>
-            <a:lvl9pPr marL="3983858" indent="0" algn="ctr">
+            <a:lvl9pPr marL="4209898" indent="0" algn="ctr">
               <a:buNone/>
               <a:defRPr>
                 <a:solidFill>
@@ -548,8 +548,8 @@
         </p:nvSpPr>
         <p:spPr>
           <a:xfrm>
-            <a:off x="8402515" y="302867"/>
-            <a:ext cx="2607678" cy="6452932"/>
+            <a:off x="11850052" y="428427"/>
+            <a:ext cx="3677604" cy="9128109"/>
           </a:xfrm>
         </p:spPr>
         <p:txBody>
@@ -576,8 +576,8 @@
         </p:nvSpPr>
         <p:spPr>
           <a:xfrm>
-            <a:off x="579485" y="302867"/>
-            <a:ext cx="7644730" cy="6452932"/>
+            <a:off x="817249" y="428427"/>
+            <a:ext cx="10781349" cy="9128109"/>
           </a:xfrm>
         </p:spPr>
         <p:txBody>
@@ -898,15 +898,15 @@
         </p:nvSpPr>
         <p:spPr>
           <a:xfrm>
-            <a:off x="845081" y="4859833"/>
-            <a:ext cx="9093439" cy="1502066"/>
+            <a:off x="1191817" y="6874563"/>
+            <a:ext cx="12824460" cy="2124774"/>
           </a:xfrm>
         </p:spPr>
         <p:txBody>
           <a:bodyPr anchor="t"/>
           <a:lstStyle>
             <a:lvl1pPr algn="l">
-              <a:defRPr sz="4400" b="1" cap="all"/>
+              <a:defRPr sz="4600" b="1" cap="all"/>
             </a:lvl1pPr>
           </a:lstStyle>
           <a:p>
@@ -930,8 +930,8 @@
         </p:nvSpPr>
         <p:spPr>
           <a:xfrm>
-            <a:off x="845081" y="3205460"/>
-            <a:ext cx="9093439" cy="1654373"/>
+            <a:off x="1191817" y="4534341"/>
+            <a:ext cx="12824460" cy="2340223"/>
           </a:xfrm>
         </p:spPr>
         <p:txBody>
@@ -939,7 +939,7 @@
           <a:lstStyle>
             <a:lvl1pPr marL="0" indent="0">
               <a:buNone/>
-              <a:defRPr sz="2200">
+              <a:defRPr sz="2300">
                 <a:solidFill>
                   <a:schemeClr val="tx1">
                     <a:tint val="75000"/>
@@ -947,9 +947,9 @@
                 </a:solidFill>
               </a:defRPr>
             </a:lvl1pPr>
-            <a:lvl2pPr marL="497982" indent="0">
+            <a:lvl2pPr marL="526237" indent="0">
               <a:buNone/>
-              <a:defRPr sz="2000">
+              <a:defRPr sz="2100">
                 <a:solidFill>
                   <a:schemeClr val="tx1">
                     <a:tint val="75000"/>
@@ -957,9 +957,9 @@
                 </a:solidFill>
               </a:defRPr>
             </a:lvl2pPr>
-            <a:lvl3pPr marL="995964" indent="0">
+            <a:lvl3pPr marL="1052474" indent="0">
               <a:buNone/>
-              <a:defRPr sz="1700">
+              <a:defRPr sz="1800">
                 <a:solidFill>
                   <a:schemeClr val="tx1">
                     <a:tint val="75000"/>
@@ -967,9 +967,9 @@
                 </a:solidFill>
               </a:defRPr>
             </a:lvl3pPr>
-            <a:lvl4pPr marL="1493947" indent="0">
+            <a:lvl4pPr marL="1578712" indent="0">
               <a:buNone/>
-              <a:defRPr sz="1500">
+              <a:defRPr sz="1600">
                 <a:solidFill>
                   <a:schemeClr val="tx1">
                     <a:tint val="75000"/>
@@ -977,9 +977,9 @@
                 </a:solidFill>
               </a:defRPr>
             </a:lvl4pPr>
-            <a:lvl5pPr marL="1991929" indent="0">
+            <a:lvl5pPr marL="2104949" indent="0">
               <a:buNone/>
-              <a:defRPr sz="1500">
+              <a:defRPr sz="1600">
                 <a:solidFill>
                   <a:schemeClr val="tx1">
                     <a:tint val="75000"/>
@@ -987,9 +987,9 @@
                 </a:solidFill>
               </a:defRPr>
             </a:lvl5pPr>
-            <a:lvl6pPr marL="2489911" indent="0">
+            <a:lvl6pPr marL="2631186" indent="0">
               <a:buNone/>
-              <a:defRPr sz="1500">
+              <a:defRPr sz="1600">
                 <a:solidFill>
                   <a:schemeClr val="tx1">
                     <a:tint val="75000"/>
@@ -997,9 +997,9 @@
                 </a:solidFill>
               </a:defRPr>
             </a:lvl6pPr>
-            <a:lvl7pPr marL="2987893" indent="0">
+            <a:lvl7pPr marL="3157423" indent="0">
               <a:buNone/>
-              <a:defRPr sz="1500">
+              <a:defRPr sz="1600">
                 <a:solidFill>
                   <a:schemeClr val="tx1">
                     <a:tint val="75000"/>
@@ -1007,9 +1007,9 @@
                 </a:solidFill>
               </a:defRPr>
             </a:lvl7pPr>
-            <a:lvl8pPr marL="3485876" indent="0">
+            <a:lvl8pPr marL="3683660" indent="0">
               <a:buNone/>
-              <a:defRPr sz="1500">
+              <a:defRPr sz="1600">
                 <a:solidFill>
                   <a:schemeClr val="tx1">
                     <a:tint val="75000"/>
@@ -1017,9 +1017,9 @@
                 </a:solidFill>
               </a:defRPr>
             </a:lvl8pPr>
-            <a:lvl9pPr marL="3983858" indent="0">
+            <a:lvl9pPr marL="4209898" indent="0">
               <a:buNone/>
-              <a:defRPr sz="1500">
+              <a:defRPr sz="1600">
                 <a:solidFill>
                   <a:schemeClr val="tx1">
                     <a:tint val="75000"/>
@@ -1167,39 +1167,39 @@
         </p:nvSpPr>
         <p:spPr>
           <a:xfrm>
-            <a:off x="579486" y="1764667"/>
-            <a:ext cx="5126203" cy="4991131"/>
+            <a:off x="817249" y="2496240"/>
+            <a:ext cx="7229475" cy="7060293"/>
           </a:xfrm>
         </p:spPr>
         <p:txBody>
           <a:bodyPr/>
           <a:lstStyle>
             <a:lvl1pPr>
-              <a:defRPr sz="3000"/>
+              <a:defRPr sz="3200"/>
             </a:lvl1pPr>
             <a:lvl2pPr>
-              <a:defRPr sz="2600"/>
+              <a:defRPr sz="2800"/>
             </a:lvl2pPr>
             <a:lvl3pPr>
-              <a:defRPr sz="2200"/>
+              <a:defRPr sz="2300"/>
             </a:lvl3pPr>
             <a:lvl4pPr>
-              <a:defRPr sz="2000"/>
+              <a:defRPr sz="2100"/>
             </a:lvl4pPr>
             <a:lvl5pPr>
-              <a:defRPr sz="2000"/>
+              <a:defRPr sz="2100"/>
             </a:lvl5pPr>
             <a:lvl6pPr>
-              <a:defRPr sz="2000"/>
+              <a:defRPr sz="2100"/>
             </a:lvl6pPr>
             <a:lvl7pPr>
-              <a:defRPr sz="2000"/>
+              <a:defRPr sz="2100"/>
             </a:lvl7pPr>
             <a:lvl8pPr>
-              <a:defRPr sz="2000"/>
+              <a:defRPr sz="2100"/>
             </a:lvl8pPr>
             <a:lvl9pPr>
-              <a:defRPr sz="2000"/>
+              <a:defRPr sz="2100"/>
             </a:lvl9pPr>
           </a:lstStyle>
           <a:p>
@@ -1252,39 +1252,39 @@
         </p:nvSpPr>
         <p:spPr>
           <a:xfrm>
-            <a:off x="5883991" y="1764667"/>
-            <a:ext cx="5126203" cy="4991131"/>
+            <a:off x="8298184" y="2496240"/>
+            <a:ext cx="7229475" cy="7060293"/>
           </a:xfrm>
         </p:spPr>
         <p:txBody>
           <a:bodyPr/>
           <a:lstStyle>
             <a:lvl1pPr>
-              <a:defRPr sz="3000"/>
+              <a:defRPr sz="3200"/>
             </a:lvl1pPr>
             <a:lvl2pPr>
-              <a:defRPr sz="2600"/>
+              <a:defRPr sz="2800"/>
             </a:lvl2pPr>
             <a:lvl3pPr>
-              <a:defRPr sz="2200"/>
+              <a:defRPr sz="2300"/>
             </a:lvl3pPr>
             <a:lvl4pPr>
-              <a:defRPr sz="2000"/>
+              <a:defRPr sz="2100"/>
             </a:lvl4pPr>
             <a:lvl5pPr>
-              <a:defRPr sz="2000"/>
+              <a:defRPr sz="2100"/>
             </a:lvl5pPr>
             <a:lvl6pPr>
-              <a:defRPr sz="2000"/>
+              <a:defRPr sz="2100"/>
             </a:lvl6pPr>
             <a:lvl7pPr>
-              <a:defRPr sz="2000"/>
+              <a:defRPr sz="2100"/>
             </a:lvl7pPr>
             <a:lvl8pPr>
-              <a:defRPr sz="2000"/>
+              <a:defRPr sz="2100"/>
             </a:lvl8pPr>
             <a:lvl9pPr>
-              <a:defRPr sz="2000"/>
+              <a:defRPr sz="2100"/>
             </a:lvl9pPr>
           </a:lstStyle>
           <a:p>
@@ -1432,8 +1432,8 @@
         </p:nvSpPr>
         <p:spPr>
           <a:xfrm>
-            <a:off x="534908" y="302865"/>
-            <a:ext cx="9628347" cy="1260475"/>
+            <a:off x="754380" y="428422"/>
+            <a:ext cx="13578840" cy="1783027"/>
           </a:xfrm>
         </p:spPr>
         <p:txBody>
@@ -1464,8 +1464,8 @@
         </p:nvSpPr>
         <p:spPr>
           <a:xfrm>
-            <a:off x="534909" y="1692889"/>
-            <a:ext cx="4726880" cy="705515"/>
+            <a:off x="754384" y="2394706"/>
+            <a:ext cx="6666310" cy="997999"/>
           </a:xfrm>
         </p:spPr>
         <p:txBody>
@@ -1473,39 +1473,39 @@
           <a:lstStyle>
             <a:lvl1pPr marL="0" indent="0">
               <a:buNone/>
-              <a:defRPr sz="2600" b="1"/>
+              <a:defRPr sz="2800" b="1"/>
             </a:lvl1pPr>
-            <a:lvl2pPr marL="497982" indent="0">
+            <a:lvl2pPr marL="526237" indent="0">
               <a:buNone/>
-              <a:defRPr sz="2200" b="1"/>
+              <a:defRPr sz="2300" b="1"/>
             </a:lvl2pPr>
-            <a:lvl3pPr marL="995964" indent="0">
+            <a:lvl3pPr marL="1052474" indent="0">
               <a:buNone/>
-              <a:defRPr sz="2000" b="1"/>
+              <a:defRPr sz="2100" b="1"/>
             </a:lvl3pPr>
-            <a:lvl4pPr marL="1493947" indent="0">
+            <a:lvl4pPr marL="1578712" indent="0">
               <a:buNone/>
-              <a:defRPr sz="1700" b="1"/>
+              <a:defRPr sz="1800" b="1"/>
             </a:lvl4pPr>
-            <a:lvl5pPr marL="1991929" indent="0">
+            <a:lvl5pPr marL="2104949" indent="0">
               <a:buNone/>
-              <a:defRPr sz="1700" b="1"/>
+              <a:defRPr sz="1800" b="1"/>
             </a:lvl5pPr>
-            <a:lvl6pPr marL="2489911" indent="0">
+            <a:lvl6pPr marL="2631186" indent="0">
               <a:buNone/>
-              <a:defRPr sz="1700" b="1"/>
+              <a:defRPr sz="1800" b="1"/>
             </a:lvl6pPr>
-            <a:lvl7pPr marL="2987893" indent="0">
+            <a:lvl7pPr marL="3157423" indent="0">
               <a:buNone/>
-              <a:defRPr sz="1700" b="1"/>
+              <a:defRPr sz="1800" b="1"/>
             </a:lvl7pPr>
-            <a:lvl8pPr marL="3485876" indent="0">
+            <a:lvl8pPr marL="3683660" indent="0">
               <a:buNone/>
-              <a:defRPr sz="1700" b="1"/>
+              <a:defRPr sz="1800" b="1"/>
             </a:lvl8pPr>
-            <a:lvl9pPr marL="3983858" indent="0">
+            <a:lvl9pPr marL="4209898" indent="0">
               <a:buNone/>
-              <a:defRPr sz="1700" b="1"/>
+              <a:defRPr sz="1800" b="1"/>
             </a:lvl9pPr>
           </a:lstStyle>
           <a:p>
@@ -1529,39 +1529,39 @@
         </p:nvSpPr>
         <p:spPr>
           <a:xfrm>
-            <a:off x="534909" y="2398404"/>
-            <a:ext cx="4726880" cy="4357393"/>
+            <a:off x="754384" y="3392705"/>
+            <a:ext cx="6666310" cy="6163826"/>
           </a:xfrm>
         </p:spPr>
         <p:txBody>
           <a:bodyPr/>
           <a:lstStyle>
             <a:lvl1pPr>
-              <a:defRPr sz="2600"/>
+              <a:defRPr sz="2800"/>
             </a:lvl1pPr>
             <a:lvl2pPr>
-              <a:defRPr sz="2200"/>
+              <a:defRPr sz="2300"/>
             </a:lvl2pPr>
             <a:lvl3pPr>
-              <a:defRPr sz="2000"/>
+              <a:defRPr sz="2100"/>
             </a:lvl3pPr>
             <a:lvl4pPr>
-              <a:defRPr sz="1700"/>
+              <a:defRPr sz="1800"/>
             </a:lvl4pPr>
             <a:lvl5pPr>
-              <a:defRPr sz="1700"/>
+              <a:defRPr sz="1800"/>
             </a:lvl5pPr>
             <a:lvl6pPr>
-              <a:defRPr sz="1700"/>
+              <a:defRPr sz="1800"/>
             </a:lvl6pPr>
             <a:lvl7pPr>
-              <a:defRPr sz="1700"/>
+              <a:defRPr sz="1800"/>
             </a:lvl7pPr>
             <a:lvl8pPr>
-              <a:defRPr sz="1700"/>
+              <a:defRPr sz="1800"/>
             </a:lvl8pPr>
             <a:lvl9pPr>
-              <a:defRPr sz="1700"/>
+              <a:defRPr sz="1800"/>
             </a:lvl9pPr>
           </a:lstStyle>
           <a:p>
@@ -1614,8 +1614,8 @@
         </p:nvSpPr>
         <p:spPr>
           <a:xfrm>
-            <a:off x="5434519" y="1692889"/>
-            <a:ext cx="4728738" cy="705515"/>
+            <a:off x="7664295" y="2394706"/>
+            <a:ext cx="6668930" cy="997999"/>
           </a:xfrm>
         </p:spPr>
         <p:txBody>
@@ -1623,39 +1623,39 @@
           <a:lstStyle>
             <a:lvl1pPr marL="0" indent="0">
               <a:buNone/>
-              <a:defRPr sz="2600" b="1"/>
+              <a:defRPr sz="2800" b="1"/>
             </a:lvl1pPr>
-            <a:lvl2pPr marL="497982" indent="0">
+            <a:lvl2pPr marL="526237" indent="0">
               <a:buNone/>
-              <a:defRPr sz="2200" b="1"/>
+              <a:defRPr sz="2300" b="1"/>
             </a:lvl2pPr>
-            <a:lvl3pPr marL="995964" indent="0">
+            <a:lvl3pPr marL="1052474" indent="0">
               <a:buNone/>
-              <a:defRPr sz="2000" b="1"/>
+              <a:defRPr sz="2100" b="1"/>
             </a:lvl3pPr>
-            <a:lvl4pPr marL="1493947" indent="0">
+            <a:lvl4pPr marL="1578712" indent="0">
               <a:buNone/>
-              <a:defRPr sz="1700" b="1"/>
+              <a:defRPr sz="1800" b="1"/>
             </a:lvl4pPr>
-            <a:lvl5pPr marL="1991929" indent="0">
+            <a:lvl5pPr marL="2104949" indent="0">
               <a:buNone/>
-              <a:defRPr sz="1700" b="1"/>
+              <a:defRPr sz="1800" b="1"/>
             </a:lvl5pPr>
-            <a:lvl6pPr marL="2489911" indent="0">
+            <a:lvl6pPr marL="2631186" indent="0">
               <a:buNone/>
-              <a:defRPr sz="1700" b="1"/>
+              <a:defRPr sz="1800" b="1"/>
             </a:lvl6pPr>
-            <a:lvl7pPr marL="2987893" indent="0">
+            <a:lvl7pPr marL="3157423" indent="0">
               <a:buNone/>
-              <a:defRPr sz="1700" b="1"/>
+              <a:defRPr sz="1800" b="1"/>
             </a:lvl7pPr>
-            <a:lvl8pPr marL="3485876" indent="0">
+            <a:lvl8pPr marL="3683660" indent="0">
               <a:buNone/>
-              <a:defRPr sz="1700" b="1"/>
+              <a:defRPr sz="1800" b="1"/>
             </a:lvl8pPr>
-            <a:lvl9pPr marL="3983858" indent="0">
+            <a:lvl9pPr marL="4209898" indent="0">
               <a:buNone/>
-              <a:defRPr sz="1700" b="1"/>
+              <a:defRPr sz="1800" b="1"/>
             </a:lvl9pPr>
           </a:lstStyle>
           <a:p>
@@ -1679,39 +1679,39 @@
         </p:nvSpPr>
         <p:spPr>
           <a:xfrm>
-            <a:off x="5434519" y="2398404"/>
-            <a:ext cx="4728738" cy="4357393"/>
+            <a:off x="7664295" y="3392705"/>
+            <a:ext cx="6668930" cy="6163826"/>
           </a:xfrm>
         </p:spPr>
         <p:txBody>
           <a:bodyPr/>
           <a:lstStyle>
             <a:lvl1pPr>
-              <a:defRPr sz="2600"/>
+              <a:defRPr sz="2800"/>
             </a:lvl1pPr>
             <a:lvl2pPr>
-              <a:defRPr sz="2200"/>
+              <a:defRPr sz="2300"/>
             </a:lvl2pPr>
             <a:lvl3pPr>
-              <a:defRPr sz="2000"/>
+              <a:defRPr sz="2100"/>
             </a:lvl3pPr>
             <a:lvl4pPr>
-              <a:defRPr sz="1700"/>
+              <a:defRPr sz="1800"/>
             </a:lvl4pPr>
             <a:lvl5pPr>
-              <a:defRPr sz="1700"/>
+              <a:defRPr sz="1800"/>
             </a:lvl5pPr>
             <a:lvl6pPr>
-              <a:defRPr sz="1700"/>
+              <a:defRPr sz="1800"/>
             </a:lvl6pPr>
             <a:lvl7pPr>
-              <a:defRPr sz="1700"/>
+              <a:defRPr sz="1800"/>
             </a:lvl7pPr>
             <a:lvl8pPr>
-              <a:defRPr sz="1700"/>
+              <a:defRPr sz="1800"/>
             </a:lvl8pPr>
             <a:lvl9pPr>
-              <a:defRPr sz="1700"/>
+              <a:defRPr sz="1800"/>
             </a:lvl9pPr>
           </a:lstStyle>
           <a:p>
@@ -2072,15 +2072,15 @@
         </p:nvSpPr>
         <p:spPr>
           <a:xfrm>
-            <a:off x="534909" y="301113"/>
-            <a:ext cx="3519622" cy="1281483"/>
+            <a:off x="754384" y="425946"/>
+            <a:ext cx="4963717" cy="1812744"/>
           </a:xfrm>
         </p:spPr>
         <p:txBody>
           <a:bodyPr anchor="b"/>
           <a:lstStyle>
             <a:lvl1pPr algn="l">
-              <a:defRPr sz="2200" b="1"/>
+              <a:defRPr sz="2300" b="1"/>
             </a:lvl1pPr>
           </a:lstStyle>
           <a:p>
@@ -2104,39 +2104,39 @@
         </p:nvSpPr>
         <p:spPr>
           <a:xfrm>
-            <a:off x="4182686" y="301116"/>
-            <a:ext cx="5980569" cy="6454683"/>
+            <a:off x="5898834" y="425950"/>
+            <a:ext cx="8434386" cy="9130587"/>
           </a:xfrm>
         </p:spPr>
         <p:txBody>
           <a:bodyPr/>
           <a:lstStyle>
             <a:lvl1pPr>
-              <a:defRPr sz="3500"/>
+              <a:defRPr sz="3700"/>
             </a:lvl1pPr>
             <a:lvl2pPr>
-              <a:defRPr sz="3000"/>
+              <a:defRPr sz="3200"/>
             </a:lvl2pPr>
             <a:lvl3pPr>
-              <a:defRPr sz="2600"/>
+              <a:defRPr sz="2800"/>
             </a:lvl3pPr>
             <a:lvl4pPr>
-              <a:defRPr sz="2200"/>
+              <a:defRPr sz="2300"/>
             </a:lvl4pPr>
             <a:lvl5pPr>
-              <a:defRPr sz="2200"/>
+              <a:defRPr sz="2300"/>
             </a:lvl5pPr>
             <a:lvl6pPr>
-              <a:defRPr sz="2200"/>
+              <a:defRPr sz="2300"/>
             </a:lvl6pPr>
             <a:lvl7pPr>
-              <a:defRPr sz="2200"/>
+              <a:defRPr sz="2300"/>
             </a:lvl7pPr>
             <a:lvl8pPr>
-              <a:defRPr sz="2200"/>
+              <a:defRPr sz="2300"/>
             </a:lvl8pPr>
             <a:lvl9pPr>
-              <a:defRPr sz="2200"/>
+              <a:defRPr sz="2300"/>
             </a:lvl9pPr>
           </a:lstStyle>
           <a:p>
@@ -2189,8 +2189,8 @@
         </p:nvSpPr>
         <p:spPr>
           <a:xfrm>
-            <a:off x="534909" y="1582598"/>
-            <a:ext cx="3519622" cy="5173200"/>
+            <a:off x="754384" y="2238692"/>
+            <a:ext cx="4963717" cy="7317841"/>
           </a:xfrm>
         </p:spPr>
         <p:txBody>
@@ -2198,37 +2198,37 @@
           <a:lstStyle>
             <a:lvl1pPr marL="0" indent="0">
               <a:buNone/>
-              <a:defRPr sz="1500"/>
+              <a:defRPr sz="1600"/>
             </a:lvl1pPr>
-            <a:lvl2pPr marL="497982" indent="0">
+            <a:lvl2pPr marL="526237" indent="0">
               <a:buNone/>
-              <a:defRPr sz="1300"/>
+              <a:defRPr sz="1400"/>
             </a:lvl2pPr>
-            <a:lvl3pPr marL="995964" indent="0">
+            <a:lvl3pPr marL="1052474" indent="0">
               <a:buNone/>
-              <a:defRPr sz="1100"/>
+              <a:defRPr sz="1200"/>
             </a:lvl3pPr>
-            <a:lvl4pPr marL="1493947" indent="0">
+            <a:lvl4pPr marL="1578712" indent="0">
               <a:buNone/>
               <a:defRPr sz="1000"/>
             </a:lvl4pPr>
-            <a:lvl5pPr marL="1991929" indent="0">
+            <a:lvl5pPr marL="2104949" indent="0">
               <a:buNone/>
               <a:defRPr sz="1000"/>
             </a:lvl5pPr>
-            <a:lvl6pPr marL="2489911" indent="0">
+            <a:lvl6pPr marL="2631186" indent="0">
               <a:buNone/>
               <a:defRPr sz="1000"/>
             </a:lvl6pPr>
-            <a:lvl7pPr marL="2987893" indent="0">
+            <a:lvl7pPr marL="3157423" indent="0">
               <a:buNone/>
               <a:defRPr sz="1000"/>
             </a:lvl7pPr>
-            <a:lvl8pPr marL="3485876" indent="0">
+            <a:lvl8pPr marL="3683660" indent="0">
               <a:buNone/>
               <a:defRPr sz="1000"/>
             </a:lvl8pPr>
-            <a:lvl9pPr marL="3983858" indent="0">
+            <a:lvl9pPr marL="4209898" indent="0">
               <a:buNone/>
               <a:defRPr sz="1000"/>
             </a:lvl9pPr>
@@ -2349,15 +2349,15 @@
         </p:nvSpPr>
         <p:spPr>
           <a:xfrm>
-            <a:off x="2096914" y="5293995"/>
-            <a:ext cx="6418898" cy="624986"/>
+            <a:off x="2957275" y="7488714"/>
+            <a:ext cx="9052560" cy="884086"/>
           </a:xfrm>
         </p:spPr>
         <p:txBody>
           <a:bodyPr anchor="b"/>
           <a:lstStyle>
             <a:lvl1pPr algn="l">
-              <a:defRPr sz="2200" b="1"/>
+              <a:defRPr sz="2300" b="1"/>
             </a:lvl1pPr>
           </a:lstStyle>
           <a:p>
@@ -2381,8 +2381,8 @@
         </p:nvSpPr>
         <p:spPr>
           <a:xfrm>
-            <a:off x="2096914" y="675755"/>
-            <a:ext cx="6418898" cy="4537710"/>
+            <a:off x="2957275" y="955901"/>
+            <a:ext cx="9052560" cy="6418898"/>
           </a:xfrm>
         </p:spPr>
         <p:txBody>
@@ -2390,39 +2390,39 @@
           <a:lstStyle>
             <a:lvl1pPr marL="0" indent="0">
               <a:buNone/>
-              <a:defRPr sz="3500"/>
+              <a:defRPr sz="3700"/>
             </a:lvl1pPr>
-            <a:lvl2pPr marL="497982" indent="0">
+            <a:lvl2pPr marL="526237" indent="0">
               <a:buNone/>
-              <a:defRPr sz="3000"/>
+              <a:defRPr sz="3200"/>
             </a:lvl2pPr>
-            <a:lvl3pPr marL="995964" indent="0">
+            <a:lvl3pPr marL="1052474" indent="0">
               <a:buNone/>
-              <a:defRPr sz="2600"/>
+              <a:defRPr sz="2800"/>
             </a:lvl3pPr>
-            <a:lvl4pPr marL="1493947" indent="0">
+            <a:lvl4pPr marL="1578712" indent="0">
               <a:buNone/>
-              <a:defRPr sz="2200"/>
+              <a:defRPr sz="2300"/>
             </a:lvl4pPr>
-            <a:lvl5pPr marL="1991929" indent="0">
+            <a:lvl5pPr marL="2104949" indent="0">
               <a:buNone/>
-              <a:defRPr sz="2200"/>
+              <a:defRPr sz="2300"/>
             </a:lvl5pPr>
-            <a:lvl6pPr marL="2489911" indent="0">
+            <a:lvl6pPr marL="2631186" indent="0">
               <a:buNone/>
-              <a:defRPr sz="2200"/>
+              <a:defRPr sz="2300"/>
             </a:lvl6pPr>
-            <a:lvl7pPr marL="2987893" indent="0">
+            <a:lvl7pPr marL="3157423" indent="0">
               <a:buNone/>
-              <a:defRPr sz="2200"/>
+              <a:defRPr sz="2300"/>
             </a:lvl7pPr>
-            <a:lvl8pPr marL="3485876" indent="0">
+            <a:lvl8pPr marL="3683660" indent="0">
               <a:buNone/>
-              <a:defRPr sz="2200"/>
+              <a:defRPr sz="2300"/>
             </a:lvl8pPr>
-            <a:lvl9pPr marL="3983858" indent="0">
+            <a:lvl9pPr marL="4209898" indent="0">
               <a:buNone/>
-              <a:defRPr sz="2200"/>
+              <a:defRPr sz="2300"/>
             </a:lvl9pPr>
           </a:lstStyle>
           <a:p>
@@ -2442,8 +2442,8 @@
         </p:nvSpPr>
         <p:spPr>
           <a:xfrm>
-            <a:off x="2096914" y="5918981"/>
-            <a:ext cx="6418898" cy="887584"/>
+            <a:off x="2957275" y="8372800"/>
+            <a:ext cx="9052560" cy="1255547"/>
           </a:xfrm>
         </p:spPr>
         <p:txBody>
@@ -2451,37 +2451,37 @@
           <a:lstStyle>
             <a:lvl1pPr marL="0" indent="0">
               <a:buNone/>
-              <a:defRPr sz="1500"/>
+              <a:defRPr sz="1600"/>
             </a:lvl1pPr>
-            <a:lvl2pPr marL="497982" indent="0">
+            <a:lvl2pPr marL="526237" indent="0">
               <a:buNone/>
-              <a:defRPr sz="1300"/>
+              <a:defRPr sz="1400"/>
             </a:lvl2pPr>
-            <a:lvl3pPr marL="995964" indent="0">
+            <a:lvl3pPr marL="1052474" indent="0">
               <a:buNone/>
-              <a:defRPr sz="1100"/>
+              <a:defRPr sz="1200"/>
             </a:lvl3pPr>
-            <a:lvl4pPr marL="1493947" indent="0">
+            <a:lvl4pPr marL="1578712" indent="0">
               <a:buNone/>
               <a:defRPr sz="1000"/>
             </a:lvl4pPr>
-            <a:lvl5pPr marL="1991929" indent="0">
+            <a:lvl5pPr marL="2104949" indent="0">
               <a:buNone/>
               <a:defRPr sz="1000"/>
             </a:lvl5pPr>
-            <a:lvl6pPr marL="2489911" indent="0">
+            <a:lvl6pPr marL="2631186" indent="0">
               <a:buNone/>
               <a:defRPr sz="1000"/>
             </a:lvl6pPr>
-            <a:lvl7pPr marL="2987893" indent="0">
+            <a:lvl7pPr marL="3157423" indent="0">
               <a:buNone/>
               <a:defRPr sz="1000"/>
             </a:lvl7pPr>
-            <a:lvl8pPr marL="3485876" indent="0">
+            <a:lvl8pPr marL="3683660" indent="0">
               <a:buNone/>
               <a:defRPr sz="1000"/>
             </a:lvl8pPr>
-            <a:lvl9pPr marL="3983858" indent="0">
+            <a:lvl9pPr marL="4209898" indent="0">
               <a:buNone/>
               <a:defRPr sz="1000"/>
             </a:lvl9pPr>
@@ -2607,15 +2607,15 @@
         </p:nvSpPr>
         <p:spPr>
           <a:xfrm>
-            <a:off x="534908" y="302865"/>
-            <a:ext cx="9628347" cy="1260475"/>
+            <a:off x="754380" y="428422"/>
+            <a:ext cx="13578840" cy="1783027"/>
           </a:xfrm>
           <a:prstGeom prst="rect">
             <a:avLst/>
           </a:prstGeom>
         </p:spPr>
         <p:txBody>
-          <a:bodyPr vert="horz" lIns="99596" tIns="49798" rIns="99596" bIns="49798" rtlCol="0" anchor="ctr">
+          <a:bodyPr vert="horz" lIns="105247" tIns="52624" rIns="105247" bIns="52624" rtlCol="0" anchor="ctr">
             <a:normAutofit/>
           </a:bodyPr>
           <a:lstStyle/>
@@ -2640,15 +2640,15 @@
         </p:nvSpPr>
         <p:spPr>
           <a:xfrm>
-            <a:off x="534908" y="1764667"/>
-            <a:ext cx="9628347" cy="4991131"/>
+            <a:off x="754380" y="2496240"/>
+            <a:ext cx="13578840" cy="7060293"/>
           </a:xfrm>
           <a:prstGeom prst="rect">
             <a:avLst/>
           </a:prstGeom>
         </p:spPr>
         <p:txBody>
-          <a:bodyPr vert="horz" lIns="99596" tIns="49798" rIns="99596" bIns="49798" rtlCol="0">
+          <a:bodyPr vert="horz" lIns="105247" tIns="52624" rIns="105247" bIns="52624" rtlCol="0">
             <a:normAutofit/>
           </a:bodyPr>
           <a:lstStyle/>
@@ -2702,18 +2702,18 @@
         </p:nvSpPr>
         <p:spPr>
           <a:xfrm>
-            <a:off x="534908" y="7009644"/>
-            <a:ext cx="2496238" cy="402652"/>
+            <a:off x="754380" y="9915617"/>
+            <a:ext cx="3520440" cy="569578"/>
           </a:xfrm>
           <a:prstGeom prst="rect">
             <a:avLst/>
           </a:prstGeom>
         </p:spPr>
         <p:txBody>
-          <a:bodyPr vert="horz" lIns="99596" tIns="49798" rIns="99596" bIns="49798" rtlCol="0" anchor="ctr"/>
+          <a:bodyPr vert="horz" lIns="105247" tIns="52624" rIns="105247" bIns="52624" rtlCol="0" anchor="ctr"/>
           <a:lstStyle>
             <a:lvl1pPr algn="l">
-              <a:defRPr sz="1300">
+              <a:defRPr sz="1400">
                 <a:solidFill>
                   <a:schemeClr val="tx1">
                     <a:tint val="75000"/>
@@ -2743,18 +2743,18 @@
         </p:nvSpPr>
         <p:spPr>
           <a:xfrm>
-            <a:off x="3655206" y="7009644"/>
-            <a:ext cx="3387752" cy="402652"/>
+            <a:off x="5154930" y="9915617"/>
+            <a:ext cx="4777740" cy="569578"/>
           </a:xfrm>
           <a:prstGeom prst="rect">
             <a:avLst/>
           </a:prstGeom>
         </p:spPr>
         <p:txBody>
-          <a:bodyPr vert="horz" lIns="99596" tIns="49798" rIns="99596" bIns="49798" rtlCol="0" anchor="ctr"/>
+          <a:bodyPr vert="horz" lIns="105247" tIns="52624" rIns="105247" bIns="52624" rtlCol="0" anchor="ctr"/>
           <a:lstStyle>
             <a:lvl1pPr algn="ctr">
-              <a:defRPr sz="1300">
+              <a:defRPr sz="1400">
                 <a:solidFill>
                   <a:schemeClr val="tx1">
                     <a:tint val="75000"/>
@@ -2780,18 +2780,18 @@
         </p:nvSpPr>
         <p:spPr>
           <a:xfrm>
-            <a:off x="7667017" y="7009644"/>
-            <a:ext cx="2496238" cy="402652"/>
+            <a:off x="10812780" y="9915617"/>
+            <a:ext cx="3520440" cy="569578"/>
           </a:xfrm>
           <a:prstGeom prst="rect">
             <a:avLst/>
           </a:prstGeom>
         </p:spPr>
         <p:txBody>
-          <a:bodyPr vert="horz" lIns="99596" tIns="49798" rIns="99596" bIns="49798" rtlCol="0" anchor="ctr"/>
+          <a:bodyPr vert="horz" lIns="105247" tIns="52624" rIns="105247" bIns="52624" rtlCol="0" anchor="ctr"/>
           <a:lstStyle>
             <a:lvl1pPr algn="r">
-              <a:defRPr sz="1300">
+              <a:defRPr sz="1400">
                 <a:solidFill>
                   <a:schemeClr val="tx1">
                     <a:tint val="75000"/>
@@ -2832,12 +2832,12 @@
   </p:sldLayoutIdLst>
   <p:txStyles>
     <p:titleStyle>
-      <a:lvl1pPr algn="ctr" defTabSz="995964" rtl="0" eaLnBrk="1" latinLnBrk="0" hangingPunct="1">
+      <a:lvl1pPr algn="ctr" defTabSz="1052474" rtl="0" eaLnBrk="1" latinLnBrk="0" hangingPunct="1">
         <a:spcBef>
           <a:spcPct val="0"/>
         </a:spcBef>
         <a:buNone/>
-        <a:defRPr sz="4800" kern="1200">
+        <a:defRPr sz="5100" kern="1200">
           <a:solidFill>
             <a:schemeClr val="tx1"/>
           </a:solidFill>
@@ -2848,13 +2848,13 @@
       </a:lvl1pPr>
     </p:titleStyle>
     <p:bodyStyle>
-      <a:lvl1pPr marL="373487" indent="-373487" algn="l" defTabSz="995964" rtl="0" eaLnBrk="1" latinLnBrk="0" hangingPunct="1">
+      <a:lvl1pPr marL="394678" indent="-394678" algn="l" defTabSz="1052474" rtl="0" eaLnBrk="1" latinLnBrk="0" hangingPunct="1">
         <a:spcBef>
           <a:spcPct val="20000"/>
         </a:spcBef>
         <a:buFont typeface="Arial" panose="020B0604020202020204" pitchFamily="34" charset="0"/>
         <a:buChar char="•"/>
-        <a:defRPr sz="3500" kern="1200">
+        <a:defRPr sz="3700" kern="1200">
           <a:solidFill>
             <a:schemeClr val="tx1"/>
           </a:solidFill>
@@ -2863,13 +2863,13 @@
           <a:cs typeface="+mn-cs"/>
         </a:defRPr>
       </a:lvl1pPr>
-      <a:lvl2pPr marL="809221" indent="-311239" algn="l" defTabSz="995964" rtl="0" eaLnBrk="1" latinLnBrk="0" hangingPunct="1">
+      <a:lvl2pPr marL="855135" indent="-328898" algn="l" defTabSz="1052474" rtl="0" eaLnBrk="1" latinLnBrk="0" hangingPunct="1">
         <a:spcBef>
           <a:spcPct val="20000"/>
         </a:spcBef>
         <a:buFont typeface="Arial" panose="020B0604020202020204" pitchFamily="34" charset="0"/>
         <a:buChar char="–"/>
-        <a:defRPr sz="3000" kern="1200">
+        <a:defRPr sz="3200" kern="1200">
           <a:solidFill>
             <a:schemeClr val="tx1"/>
           </a:solidFill>
@@ -2878,13 +2878,13 @@
           <a:cs typeface="+mn-cs"/>
         </a:defRPr>
       </a:lvl2pPr>
-      <a:lvl3pPr marL="1244956" indent="-248991" algn="l" defTabSz="995964" rtl="0" eaLnBrk="1" latinLnBrk="0" hangingPunct="1">
+      <a:lvl3pPr marL="1315593" indent="-263119" algn="l" defTabSz="1052474" rtl="0" eaLnBrk="1" latinLnBrk="0" hangingPunct="1">
         <a:spcBef>
           <a:spcPct val="20000"/>
         </a:spcBef>
         <a:buFont typeface="Arial" panose="020B0604020202020204" pitchFamily="34" charset="0"/>
         <a:buChar char="•"/>
-        <a:defRPr sz="2600" kern="1200">
+        <a:defRPr sz="2800" kern="1200">
           <a:solidFill>
             <a:schemeClr val="tx1"/>
           </a:solidFill>
@@ -2893,13 +2893,13 @@
           <a:cs typeface="+mn-cs"/>
         </a:defRPr>
       </a:lvl3pPr>
-      <a:lvl4pPr marL="1742938" indent="-248991" algn="l" defTabSz="995964" rtl="0" eaLnBrk="1" latinLnBrk="0" hangingPunct="1">
+      <a:lvl4pPr marL="1841830" indent="-263119" algn="l" defTabSz="1052474" rtl="0" eaLnBrk="1" latinLnBrk="0" hangingPunct="1">
         <a:spcBef>
           <a:spcPct val="20000"/>
         </a:spcBef>
         <a:buFont typeface="Arial" panose="020B0604020202020204" pitchFamily="34" charset="0"/>
         <a:buChar char="–"/>
-        <a:defRPr sz="2200" kern="1200">
+        <a:defRPr sz="2300" kern="1200">
           <a:solidFill>
             <a:schemeClr val="tx1"/>
           </a:solidFill>
@@ -2908,13 +2908,13 @@
           <a:cs typeface="+mn-cs"/>
         </a:defRPr>
       </a:lvl4pPr>
-      <a:lvl5pPr marL="2240920" indent="-248991" algn="l" defTabSz="995964" rtl="0" eaLnBrk="1" latinLnBrk="0" hangingPunct="1">
+      <a:lvl5pPr marL="2368067" indent="-263119" algn="l" defTabSz="1052474" rtl="0" eaLnBrk="1" latinLnBrk="0" hangingPunct="1">
         <a:spcBef>
           <a:spcPct val="20000"/>
         </a:spcBef>
         <a:buFont typeface="Arial" panose="020B0604020202020204" pitchFamily="34" charset="0"/>
         <a:buChar char="»"/>
-        <a:defRPr sz="2200" kern="1200">
+        <a:defRPr sz="2300" kern="1200">
           <a:solidFill>
             <a:schemeClr val="tx1"/>
           </a:solidFill>
@@ -2923,13 +2923,13 @@
           <a:cs typeface="+mn-cs"/>
         </a:defRPr>
       </a:lvl5pPr>
-      <a:lvl6pPr marL="2738902" indent="-248991" algn="l" defTabSz="995964" rtl="0" eaLnBrk="1" latinLnBrk="0" hangingPunct="1">
+      <a:lvl6pPr marL="2894305" indent="-263119" algn="l" defTabSz="1052474" rtl="0" eaLnBrk="1" latinLnBrk="0" hangingPunct="1">
         <a:spcBef>
           <a:spcPct val="20000"/>
         </a:spcBef>
         <a:buFont typeface="Arial" panose="020B0604020202020204" pitchFamily="34" charset="0"/>
         <a:buChar char="•"/>
-        <a:defRPr sz="2200" kern="1200">
+        <a:defRPr sz="2300" kern="1200">
           <a:solidFill>
             <a:schemeClr val="tx1"/>
           </a:solidFill>
@@ -2938,13 +2938,13 @@
           <a:cs typeface="+mn-cs"/>
         </a:defRPr>
       </a:lvl6pPr>
-      <a:lvl7pPr marL="3236885" indent="-248991" algn="l" defTabSz="995964" rtl="0" eaLnBrk="1" latinLnBrk="0" hangingPunct="1">
+      <a:lvl7pPr marL="3420542" indent="-263119" algn="l" defTabSz="1052474" rtl="0" eaLnBrk="1" latinLnBrk="0" hangingPunct="1">
         <a:spcBef>
           <a:spcPct val="20000"/>
         </a:spcBef>
         <a:buFont typeface="Arial" panose="020B0604020202020204" pitchFamily="34" charset="0"/>
         <a:buChar char="•"/>
-        <a:defRPr sz="2200" kern="1200">
+        <a:defRPr sz="2300" kern="1200">
           <a:solidFill>
             <a:schemeClr val="tx1"/>
           </a:solidFill>
@@ -2953,13 +2953,13 @@
           <a:cs typeface="+mn-cs"/>
         </a:defRPr>
       </a:lvl7pPr>
-      <a:lvl8pPr marL="3734867" indent="-248991" algn="l" defTabSz="995964" rtl="0" eaLnBrk="1" latinLnBrk="0" hangingPunct="1">
+      <a:lvl8pPr marL="3946779" indent="-263119" algn="l" defTabSz="1052474" rtl="0" eaLnBrk="1" latinLnBrk="0" hangingPunct="1">
         <a:spcBef>
           <a:spcPct val="20000"/>
         </a:spcBef>
         <a:buFont typeface="Arial" panose="020B0604020202020204" pitchFamily="34" charset="0"/>
         <a:buChar char="•"/>
-        <a:defRPr sz="2200" kern="1200">
+        <a:defRPr sz="2300" kern="1200">
           <a:solidFill>
             <a:schemeClr val="tx1"/>
           </a:solidFill>
@@ -2968,13 +2968,13 @@
           <a:cs typeface="+mn-cs"/>
         </a:defRPr>
       </a:lvl8pPr>
-      <a:lvl9pPr marL="4232849" indent="-248991" algn="l" defTabSz="995964" rtl="0" eaLnBrk="1" latinLnBrk="0" hangingPunct="1">
+      <a:lvl9pPr marL="4473016" indent="-263119" algn="l" defTabSz="1052474" rtl="0" eaLnBrk="1" latinLnBrk="0" hangingPunct="1">
         <a:spcBef>
           <a:spcPct val="20000"/>
         </a:spcBef>
         <a:buFont typeface="Arial" panose="020B0604020202020204" pitchFamily="34" charset="0"/>
         <a:buChar char="•"/>
-        <a:defRPr sz="2200" kern="1200">
+        <a:defRPr sz="2300" kern="1200">
           <a:solidFill>
             <a:schemeClr val="tx1"/>
           </a:solidFill>
@@ -2988,8 +2988,8 @@
       <a:defPPr>
         <a:defRPr lang="en-US"/>
       </a:defPPr>
-      <a:lvl1pPr marL="0" algn="l" defTabSz="995964" rtl="0" eaLnBrk="1" latinLnBrk="0" hangingPunct="1">
-        <a:defRPr sz="2000" kern="1200">
+      <a:lvl1pPr marL="0" algn="l" defTabSz="1052474" rtl="0" eaLnBrk="1" latinLnBrk="0" hangingPunct="1">
+        <a:defRPr sz="2100" kern="1200">
           <a:solidFill>
             <a:schemeClr val="tx1"/>
           </a:solidFill>
@@ -2998,8 +2998,8 @@
           <a:cs typeface="+mn-cs"/>
         </a:defRPr>
       </a:lvl1pPr>
-      <a:lvl2pPr marL="497982" algn="l" defTabSz="995964" rtl="0" eaLnBrk="1" latinLnBrk="0" hangingPunct="1">
-        <a:defRPr sz="2000" kern="1200">
+      <a:lvl2pPr marL="526237" algn="l" defTabSz="1052474" rtl="0" eaLnBrk="1" latinLnBrk="0" hangingPunct="1">
+        <a:defRPr sz="2100" kern="1200">
           <a:solidFill>
             <a:schemeClr val="tx1"/>
           </a:solidFill>
@@ -3008,8 +3008,8 @@
           <a:cs typeface="+mn-cs"/>
         </a:defRPr>
       </a:lvl2pPr>
-      <a:lvl3pPr marL="995964" algn="l" defTabSz="995964" rtl="0" eaLnBrk="1" latinLnBrk="0" hangingPunct="1">
-        <a:defRPr sz="2000" kern="1200">
+      <a:lvl3pPr marL="1052474" algn="l" defTabSz="1052474" rtl="0" eaLnBrk="1" latinLnBrk="0" hangingPunct="1">
+        <a:defRPr sz="2100" kern="1200">
           <a:solidFill>
             <a:schemeClr val="tx1"/>
           </a:solidFill>
@@ -3018,8 +3018,8 @@
           <a:cs typeface="+mn-cs"/>
         </a:defRPr>
       </a:lvl3pPr>
-      <a:lvl4pPr marL="1493947" algn="l" defTabSz="995964" rtl="0" eaLnBrk="1" latinLnBrk="0" hangingPunct="1">
-        <a:defRPr sz="2000" kern="1200">
+      <a:lvl4pPr marL="1578712" algn="l" defTabSz="1052474" rtl="0" eaLnBrk="1" latinLnBrk="0" hangingPunct="1">
+        <a:defRPr sz="2100" kern="1200">
           <a:solidFill>
             <a:schemeClr val="tx1"/>
           </a:solidFill>
@@ -3028,8 +3028,8 @@
           <a:cs typeface="+mn-cs"/>
         </a:defRPr>
       </a:lvl4pPr>
-      <a:lvl5pPr marL="1991929" algn="l" defTabSz="995964" rtl="0" eaLnBrk="1" latinLnBrk="0" hangingPunct="1">
-        <a:defRPr sz="2000" kern="1200">
+      <a:lvl5pPr marL="2104949" algn="l" defTabSz="1052474" rtl="0" eaLnBrk="1" latinLnBrk="0" hangingPunct="1">
+        <a:defRPr sz="2100" kern="1200">
           <a:solidFill>
             <a:schemeClr val="tx1"/>
           </a:solidFill>
@@ -3038,8 +3038,8 @@
           <a:cs typeface="+mn-cs"/>
         </a:defRPr>
       </a:lvl5pPr>
-      <a:lvl6pPr marL="2489911" algn="l" defTabSz="995964" rtl="0" eaLnBrk="1" latinLnBrk="0" hangingPunct="1">
-        <a:defRPr sz="2000" kern="1200">
+      <a:lvl6pPr marL="2631186" algn="l" defTabSz="1052474" rtl="0" eaLnBrk="1" latinLnBrk="0" hangingPunct="1">
+        <a:defRPr sz="2100" kern="1200">
           <a:solidFill>
             <a:schemeClr val="tx1"/>
           </a:solidFill>
@@ -3048,8 +3048,8 @@
           <a:cs typeface="+mn-cs"/>
         </a:defRPr>
       </a:lvl6pPr>
-      <a:lvl7pPr marL="2987893" algn="l" defTabSz="995964" rtl="0" eaLnBrk="1" latinLnBrk="0" hangingPunct="1">
-        <a:defRPr sz="2000" kern="1200">
+      <a:lvl7pPr marL="3157423" algn="l" defTabSz="1052474" rtl="0" eaLnBrk="1" latinLnBrk="0" hangingPunct="1">
+        <a:defRPr sz="2100" kern="1200">
           <a:solidFill>
             <a:schemeClr val="tx1"/>
           </a:solidFill>
@@ -3058,8 +3058,8 @@
           <a:cs typeface="+mn-cs"/>
         </a:defRPr>
       </a:lvl7pPr>
-      <a:lvl8pPr marL="3485876" algn="l" defTabSz="995964" rtl="0" eaLnBrk="1" latinLnBrk="0" hangingPunct="1">
-        <a:defRPr sz="2000" kern="1200">
+      <a:lvl8pPr marL="3683660" algn="l" defTabSz="1052474" rtl="0" eaLnBrk="1" latinLnBrk="0" hangingPunct="1">
+        <a:defRPr sz="2100" kern="1200">
           <a:solidFill>
             <a:schemeClr val="tx1"/>
           </a:solidFill>
@@ -3068,8 +3068,8 @@
           <a:cs typeface="+mn-cs"/>
         </a:defRPr>
       </a:lvl8pPr>
-      <a:lvl9pPr marL="3983858" algn="l" defTabSz="995964" rtl="0" eaLnBrk="1" latinLnBrk="0" hangingPunct="1">
-        <a:defRPr sz="2000" kern="1200">
+      <a:lvl9pPr marL="4209898" algn="l" defTabSz="1052474" rtl="0" eaLnBrk="1" latinLnBrk="0" hangingPunct="1">
+        <a:defRPr sz="2100" kern="1200">
           <a:solidFill>
             <a:schemeClr val="tx1"/>
           </a:solidFill>
@@ -3108,10 +3108,10 @@
         </p:nvGrpSpPr>
         <p:grpSpPr>
           <a:xfrm>
-            <a:off x="2148682" y="581025"/>
-            <a:ext cx="6400800" cy="6400800"/>
-            <a:chOff x="2148682" y="581025"/>
-            <a:chExt cx="6400800" cy="6400800"/>
+            <a:off x="3886200" y="1691482"/>
+            <a:ext cx="7315200" cy="7315200"/>
+            <a:chOff x="3886200" y="1691482"/>
+            <a:chExt cx="7315200" cy="7315200"/>
           </a:xfrm>
         </p:grpSpPr>
         <p:sp>
@@ -3122,8 +3122,8 @@
           </p:nvSpPr>
           <p:spPr>
             <a:xfrm>
-              <a:off x="2148681" y="581025"/>
-              <a:ext cx="6400799" cy="6400799"/>
+              <a:off x="3886200" y="1691481"/>
+              <a:ext cx="7315199" cy="7315199"/>
             </a:xfrm>
             <a:prstGeom prst="rect">
               <a:avLst/>
@@ -3157,8 +3157,8 @@
           </p:nvSpPr>
           <p:spPr>
             <a:xfrm>
-              <a:off x="2148681" y="581025"/>
-              <a:ext cx="6400799" cy="6400799"/>
+              <a:off x="3886200" y="1691481"/>
+              <a:ext cx="7315199" cy="7315199"/>
             </a:xfrm>
             <a:prstGeom prst="rect">
               <a:avLst/>
@@ -3192,8 +3192,8 @@
           </p:nvSpPr>
           <p:spPr>
             <a:xfrm>
-              <a:off x="2542904" y="876525"/>
-              <a:ext cx="5936987" cy="5702405"/>
+              <a:off x="4280423" y="1986981"/>
+              <a:ext cx="6851387" cy="6616805"/>
             </a:xfrm>
             <a:prstGeom prst="rect">
               <a:avLst/>
@@ -3218,15 +3218,15 @@
           </p:nvSpPr>
           <p:spPr>
             <a:xfrm>
-              <a:off x="3043815" y="876525"/>
-              <a:ext cx="0" cy="5702405"/>
+              <a:off x="4858482" y="1986981"/>
+              <a:ext cx="0" cy="6616805"/>
             </a:xfrm>
             <a:custGeom>
               <a:avLst/>
               <a:pathLst>
-                <a:path w="0" h="5702405">
+                <a:path w="0" h="6616805">
                   <a:moveTo>
-                    <a:pt x="0" y="5702405"/>
+                    <a:pt x="0" y="6616805"/>
                   </a:moveTo>
                   <a:lnTo>
                     <a:pt x="0" y="0"/>
@@ -3261,15 +3261,15 @@
           </p:nvSpPr>
           <p:spPr>
             <a:xfrm>
-              <a:off x="4045635" y="876525"/>
-              <a:ext cx="0" cy="5702405"/>
+              <a:off x="6014600" y="1986981"/>
+              <a:ext cx="0" cy="6616805"/>
             </a:xfrm>
             <a:custGeom>
               <a:avLst/>
               <a:pathLst>
-                <a:path w="0" h="5702405">
+                <a:path w="0" h="6616805">
                   <a:moveTo>
-                    <a:pt x="0" y="5702405"/>
+                    <a:pt x="0" y="6616805"/>
                   </a:moveTo>
                   <a:lnTo>
                     <a:pt x="0" y="0"/>
@@ -3304,15 +3304,15 @@
           </p:nvSpPr>
           <p:spPr>
             <a:xfrm>
-              <a:off x="5047455" y="876525"/>
-              <a:ext cx="0" cy="5702405"/>
+              <a:off x="7170718" y="1986981"/>
+              <a:ext cx="0" cy="6616805"/>
             </a:xfrm>
             <a:custGeom>
               <a:avLst/>
               <a:pathLst>
-                <a:path w="0" h="5702405">
+                <a:path w="0" h="6616805">
                   <a:moveTo>
-                    <a:pt x="0" y="5702405"/>
+                    <a:pt x="0" y="6616805"/>
                   </a:moveTo>
                   <a:lnTo>
                     <a:pt x="0" y="0"/>
@@ -3347,15 +3347,15 @@
           </p:nvSpPr>
           <p:spPr>
             <a:xfrm>
-              <a:off x="6049275" y="876525"/>
-              <a:ext cx="0" cy="5702405"/>
+              <a:off x="8326837" y="1986981"/>
+              <a:ext cx="0" cy="6616805"/>
             </a:xfrm>
             <a:custGeom>
               <a:avLst/>
               <a:pathLst>
-                <a:path w="0" h="5702405">
+                <a:path w="0" h="6616805">
                   <a:moveTo>
-                    <a:pt x="0" y="5702405"/>
+                    <a:pt x="0" y="6616805"/>
                   </a:moveTo>
                   <a:lnTo>
                     <a:pt x="0" y="0"/>
@@ -3390,15 +3390,15 @@
           </p:nvSpPr>
           <p:spPr>
             <a:xfrm>
-              <a:off x="7051096" y="876525"/>
-              <a:ext cx="0" cy="5702405"/>
+              <a:off x="9482955" y="1986981"/>
+              <a:ext cx="0" cy="6616805"/>
             </a:xfrm>
             <a:custGeom>
               <a:avLst/>
               <a:pathLst>
-                <a:path w="0" h="5702405">
+                <a:path w="0" h="6616805">
                   <a:moveTo>
-                    <a:pt x="0" y="5702405"/>
+                    <a:pt x="0" y="6616805"/>
                   </a:moveTo>
                   <a:lnTo>
                     <a:pt x="0" y="0"/>
@@ -3433,15 +3433,15 @@
           </p:nvSpPr>
           <p:spPr>
             <a:xfrm>
-              <a:off x="8052916" y="876525"/>
-              <a:ext cx="0" cy="5702405"/>
+              <a:off x="10639073" y="1986981"/>
+              <a:ext cx="0" cy="6616805"/>
             </a:xfrm>
             <a:custGeom>
               <a:avLst/>
               <a:pathLst>
-                <a:path w="0" h="5702405">
+                <a:path w="0" h="6616805">
                   <a:moveTo>
-                    <a:pt x="0" y="5702405"/>
+                    <a:pt x="0" y="6616805"/>
                   </a:moveTo>
                   <a:lnTo>
                     <a:pt x="0" y="0"/>
@@ -3476,21 +3476,21 @@
           </p:nvSpPr>
           <p:spPr>
             <a:xfrm>
-              <a:off x="2542904" y="6443159"/>
-              <a:ext cx="5936987" cy="0"/>
+              <a:off x="4280423" y="8446244"/>
+              <a:ext cx="6851387" cy="0"/>
             </a:xfrm>
             <a:custGeom>
               <a:avLst/>
               <a:pathLst>
-                <a:path w="5936987" h="0">
+                <a:path w="6851387" h="0">
                   <a:moveTo>
                     <a:pt x="0" y="0"/>
                   </a:moveTo>
                   <a:lnTo>
-                    <a:pt x="5936987" y="0"/>
-                  </a:lnTo>
-                  <a:lnTo>
-                    <a:pt x="5936987" y="0"/>
+                    <a:pt x="6851387" y="0"/>
+                  </a:lnTo>
+                  <a:lnTo>
+                    <a:pt x="6851387" y="0"/>
                   </a:lnTo>
                 </a:path>
               </a:pathLst>
@@ -3519,21 +3519,21 @@
           </p:nvSpPr>
           <p:spPr>
             <a:xfrm>
-              <a:off x="2542904" y="6216873"/>
-              <a:ext cx="5936987" cy="0"/>
+              <a:off x="4280423" y="8183672"/>
+              <a:ext cx="6851387" cy="0"/>
             </a:xfrm>
             <a:custGeom>
               <a:avLst/>
               <a:pathLst>
-                <a:path w="5936987" h="0">
+                <a:path w="6851387" h="0">
                   <a:moveTo>
                     <a:pt x="0" y="0"/>
                   </a:moveTo>
                   <a:lnTo>
-                    <a:pt x="5936987" y="0"/>
-                  </a:lnTo>
-                  <a:lnTo>
-                    <a:pt x="5936987" y="0"/>
+                    <a:pt x="6851387" y="0"/>
+                  </a:lnTo>
+                  <a:lnTo>
+                    <a:pt x="6851387" y="0"/>
                   </a:lnTo>
                 </a:path>
               </a:pathLst>
@@ -3562,21 +3562,21 @@
           </p:nvSpPr>
           <p:spPr>
             <a:xfrm>
-              <a:off x="2542904" y="5990587"/>
-              <a:ext cx="5936987" cy="0"/>
+              <a:off x="4280423" y="7921101"/>
+              <a:ext cx="6851387" cy="0"/>
             </a:xfrm>
             <a:custGeom>
               <a:avLst/>
               <a:pathLst>
-                <a:path w="5936987" h="0">
+                <a:path w="6851387" h="0">
                   <a:moveTo>
                     <a:pt x="0" y="0"/>
                   </a:moveTo>
                   <a:lnTo>
-                    <a:pt x="5936987" y="0"/>
-                  </a:lnTo>
-                  <a:lnTo>
-                    <a:pt x="5936987" y="0"/>
+                    <a:pt x="6851387" y="0"/>
+                  </a:lnTo>
+                  <a:lnTo>
+                    <a:pt x="6851387" y="0"/>
                   </a:lnTo>
                 </a:path>
               </a:pathLst>
@@ -3605,21 +3605,21 @@
           </p:nvSpPr>
           <p:spPr>
             <a:xfrm>
-              <a:off x="2542904" y="5764301"/>
-              <a:ext cx="5936987" cy="0"/>
+              <a:off x="4280423" y="7658529"/>
+              <a:ext cx="6851387" cy="0"/>
             </a:xfrm>
             <a:custGeom>
               <a:avLst/>
               <a:pathLst>
-                <a:path w="5936987" h="0">
+                <a:path w="6851387" h="0">
                   <a:moveTo>
                     <a:pt x="0" y="0"/>
                   </a:moveTo>
                   <a:lnTo>
-                    <a:pt x="5936987" y="0"/>
-                  </a:lnTo>
-                  <a:lnTo>
-                    <a:pt x="5936987" y="0"/>
+                    <a:pt x="6851387" y="0"/>
+                  </a:lnTo>
+                  <a:lnTo>
+                    <a:pt x="6851387" y="0"/>
                   </a:lnTo>
                 </a:path>
               </a:pathLst>
@@ -3648,21 +3648,21 @@
           </p:nvSpPr>
           <p:spPr>
             <a:xfrm>
-              <a:off x="2542904" y="5538015"/>
-              <a:ext cx="5936987" cy="0"/>
+              <a:off x="4280423" y="7395957"/>
+              <a:ext cx="6851387" cy="0"/>
             </a:xfrm>
             <a:custGeom>
               <a:avLst/>
               <a:pathLst>
-                <a:path w="5936987" h="0">
+                <a:path w="6851387" h="0">
                   <a:moveTo>
                     <a:pt x="0" y="0"/>
                   </a:moveTo>
                   <a:lnTo>
-                    <a:pt x="5936987" y="0"/>
-                  </a:lnTo>
-                  <a:lnTo>
-                    <a:pt x="5936987" y="0"/>
+                    <a:pt x="6851387" y="0"/>
+                  </a:lnTo>
+                  <a:lnTo>
+                    <a:pt x="6851387" y="0"/>
                   </a:lnTo>
                 </a:path>
               </a:pathLst>
@@ -3691,21 +3691,21 @@
           </p:nvSpPr>
           <p:spPr>
             <a:xfrm>
-              <a:off x="2542904" y="5311729"/>
-              <a:ext cx="5936987" cy="0"/>
+              <a:off x="4280423" y="7133386"/>
+              <a:ext cx="6851387" cy="0"/>
             </a:xfrm>
             <a:custGeom>
               <a:avLst/>
               <a:pathLst>
-                <a:path w="5936987" h="0">
+                <a:path w="6851387" h="0">
                   <a:moveTo>
                     <a:pt x="0" y="0"/>
                   </a:moveTo>
                   <a:lnTo>
-                    <a:pt x="5936987" y="0"/>
-                  </a:lnTo>
-                  <a:lnTo>
-                    <a:pt x="5936987" y="0"/>
+                    <a:pt x="6851387" y="0"/>
+                  </a:lnTo>
+                  <a:lnTo>
+                    <a:pt x="6851387" y="0"/>
                   </a:lnTo>
                 </a:path>
               </a:pathLst>
@@ -3734,21 +3734,21 @@
           </p:nvSpPr>
           <p:spPr>
             <a:xfrm>
-              <a:off x="2542904" y="5085443"/>
-              <a:ext cx="5936987" cy="0"/>
+              <a:off x="4280423" y="6870814"/>
+              <a:ext cx="6851387" cy="0"/>
             </a:xfrm>
             <a:custGeom>
               <a:avLst/>
               <a:pathLst>
-                <a:path w="5936987" h="0">
+                <a:path w="6851387" h="0">
                   <a:moveTo>
                     <a:pt x="0" y="0"/>
                   </a:moveTo>
                   <a:lnTo>
-                    <a:pt x="5936987" y="0"/>
-                  </a:lnTo>
-                  <a:lnTo>
-                    <a:pt x="5936987" y="0"/>
+                    <a:pt x="6851387" y="0"/>
+                  </a:lnTo>
+                  <a:lnTo>
+                    <a:pt x="6851387" y="0"/>
                   </a:lnTo>
                 </a:path>
               </a:pathLst>
@@ -3777,21 +3777,21 @@
           </p:nvSpPr>
           <p:spPr>
             <a:xfrm>
-              <a:off x="2542904" y="4859157"/>
-              <a:ext cx="5936987" cy="0"/>
+              <a:off x="4280423" y="6608242"/>
+              <a:ext cx="6851387" cy="0"/>
             </a:xfrm>
             <a:custGeom>
               <a:avLst/>
               <a:pathLst>
-                <a:path w="5936987" h="0">
+                <a:path w="6851387" h="0">
                   <a:moveTo>
                     <a:pt x="0" y="0"/>
                   </a:moveTo>
                   <a:lnTo>
-                    <a:pt x="5936987" y="0"/>
-                  </a:lnTo>
-                  <a:lnTo>
-                    <a:pt x="5936987" y="0"/>
+                    <a:pt x="6851387" y="0"/>
+                  </a:lnTo>
+                  <a:lnTo>
+                    <a:pt x="6851387" y="0"/>
                   </a:lnTo>
                 </a:path>
               </a:pathLst>
@@ -3820,21 +3820,21 @@
           </p:nvSpPr>
           <p:spPr>
             <a:xfrm>
-              <a:off x="2542904" y="4632871"/>
-              <a:ext cx="5936987" cy="0"/>
+              <a:off x="4280423" y="6345671"/>
+              <a:ext cx="6851387" cy="0"/>
             </a:xfrm>
             <a:custGeom>
               <a:avLst/>
               <a:pathLst>
-                <a:path w="5936987" h="0">
+                <a:path w="6851387" h="0">
                   <a:moveTo>
                     <a:pt x="0" y="0"/>
                   </a:moveTo>
                   <a:lnTo>
-                    <a:pt x="5936987" y="0"/>
-                  </a:lnTo>
-                  <a:lnTo>
-                    <a:pt x="5936987" y="0"/>
+                    <a:pt x="6851387" y="0"/>
+                  </a:lnTo>
+                  <a:lnTo>
+                    <a:pt x="6851387" y="0"/>
                   </a:lnTo>
                 </a:path>
               </a:pathLst>
@@ -3863,21 +3863,21 @@
           </p:nvSpPr>
           <p:spPr>
             <a:xfrm>
-              <a:off x="2542904" y="4406586"/>
-              <a:ext cx="5936987" cy="0"/>
+              <a:off x="4280423" y="6083099"/>
+              <a:ext cx="6851387" cy="0"/>
             </a:xfrm>
             <a:custGeom>
               <a:avLst/>
               <a:pathLst>
-                <a:path w="5936987" h="0">
+                <a:path w="6851387" h="0">
                   <a:moveTo>
                     <a:pt x="0" y="0"/>
                   </a:moveTo>
                   <a:lnTo>
-                    <a:pt x="5936987" y="0"/>
-                  </a:lnTo>
-                  <a:lnTo>
-                    <a:pt x="5936987" y="0"/>
+                    <a:pt x="6851387" y="0"/>
+                  </a:lnTo>
+                  <a:lnTo>
+                    <a:pt x="6851387" y="0"/>
                   </a:lnTo>
                 </a:path>
               </a:pathLst>
@@ -3906,21 +3906,21 @@
           </p:nvSpPr>
           <p:spPr>
             <a:xfrm>
-              <a:off x="2542904" y="4180300"/>
-              <a:ext cx="5936987" cy="0"/>
+              <a:off x="4280423" y="5820527"/>
+              <a:ext cx="6851387" cy="0"/>
             </a:xfrm>
             <a:custGeom>
               <a:avLst/>
               <a:pathLst>
-                <a:path w="5936987" h="0">
+                <a:path w="6851387" h="0">
                   <a:moveTo>
                     <a:pt x="0" y="0"/>
                   </a:moveTo>
                   <a:lnTo>
-                    <a:pt x="5936987" y="0"/>
-                  </a:lnTo>
-                  <a:lnTo>
-                    <a:pt x="5936987" y="0"/>
+                    <a:pt x="6851387" y="0"/>
+                  </a:lnTo>
+                  <a:lnTo>
+                    <a:pt x="6851387" y="0"/>
                   </a:lnTo>
                 </a:path>
               </a:pathLst>
@@ -3949,21 +3949,21 @@
           </p:nvSpPr>
           <p:spPr>
             <a:xfrm>
-              <a:off x="2542904" y="3954014"/>
-              <a:ext cx="5936987" cy="0"/>
+              <a:off x="4280423" y="5557956"/>
+              <a:ext cx="6851387" cy="0"/>
             </a:xfrm>
             <a:custGeom>
               <a:avLst/>
               <a:pathLst>
-                <a:path w="5936987" h="0">
+                <a:path w="6851387" h="0">
                   <a:moveTo>
                     <a:pt x="0" y="0"/>
                   </a:moveTo>
                   <a:lnTo>
-                    <a:pt x="5936987" y="0"/>
-                  </a:lnTo>
-                  <a:lnTo>
-                    <a:pt x="5936987" y="0"/>
+                    <a:pt x="6851387" y="0"/>
+                  </a:lnTo>
+                  <a:lnTo>
+                    <a:pt x="6851387" y="0"/>
                   </a:lnTo>
                 </a:path>
               </a:pathLst>
@@ -3992,21 +3992,21 @@
           </p:nvSpPr>
           <p:spPr>
             <a:xfrm>
-              <a:off x="2542904" y="3727728"/>
-              <a:ext cx="5936987" cy="0"/>
+              <a:off x="4280423" y="5295384"/>
+              <a:ext cx="6851387" cy="0"/>
             </a:xfrm>
             <a:custGeom>
               <a:avLst/>
               <a:pathLst>
-                <a:path w="5936987" h="0">
+                <a:path w="6851387" h="0">
                   <a:moveTo>
                     <a:pt x="0" y="0"/>
                   </a:moveTo>
                   <a:lnTo>
-                    <a:pt x="5936987" y="0"/>
-                  </a:lnTo>
-                  <a:lnTo>
-                    <a:pt x="5936987" y="0"/>
+                    <a:pt x="6851387" y="0"/>
+                  </a:lnTo>
+                  <a:lnTo>
+                    <a:pt x="6851387" y="0"/>
                   </a:lnTo>
                 </a:path>
               </a:pathLst>
@@ -4035,21 +4035,21 @@
           </p:nvSpPr>
           <p:spPr>
             <a:xfrm>
-              <a:off x="2542904" y="3501442"/>
-              <a:ext cx="5936987" cy="0"/>
+              <a:off x="4280423" y="5032812"/>
+              <a:ext cx="6851387" cy="0"/>
             </a:xfrm>
             <a:custGeom>
               <a:avLst/>
               <a:pathLst>
-                <a:path w="5936987" h="0">
+                <a:path w="6851387" h="0">
                   <a:moveTo>
                     <a:pt x="0" y="0"/>
                   </a:moveTo>
                   <a:lnTo>
-                    <a:pt x="5936987" y="0"/>
-                  </a:lnTo>
-                  <a:lnTo>
-                    <a:pt x="5936987" y="0"/>
+                    <a:pt x="6851387" y="0"/>
+                  </a:lnTo>
+                  <a:lnTo>
+                    <a:pt x="6851387" y="0"/>
                   </a:lnTo>
                 </a:path>
               </a:pathLst>
@@ -4078,21 +4078,21 @@
           </p:nvSpPr>
           <p:spPr>
             <a:xfrm>
-              <a:off x="2542904" y="3275156"/>
-              <a:ext cx="5936987" cy="0"/>
+              <a:off x="4280423" y="4770241"/>
+              <a:ext cx="6851387" cy="0"/>
             </a:xfrm>
             <a:custGeom>
               <a:avLst/>
               <a:pathLst>
-                <a:path w="5936987" h="0">
+                <a:path w="6851387" h="0">
                   <a:moveTo>
                     <a:pt x="0" y="0"/>
                   </a:moveTo>
                   <a:lnTo>
-                    <a:pt x="5936987" y="0"/>
-                  </a:lnTo>
-                  <a:lnTo>
-                    <a:pt x="5936987" y="0"/>
+                    <a:pt x="6851387" y="0"/>
+                  </a:lnTo>
+                  <a:lnTo>
+                    <a:pt x="6851387" y="0"/>
                   </a:lnTo>
                 </a:path>
               </a:pathLst>
@@ -4121,21 +4121,21 @@
           </p:nvSpPr>
           <p:spPr>
             <a:xfrm>
-              <a:off x="2542904" y="3048870"/>
-              <a:ext cx="5936987" cy="0"/>
+              <a:off x="4280423" y="4507669"/>
+              <a:ext cx="6851387" cy="0"/>
             </a:xfrm>
             <a:custGeom>
               <a:avLst/>
               <a:pathLst>
-                <a:path w="5936987" h="0">
+                <a:path w="6851387" h="0">
                   <a:moveTo>
                     <a:pt x="0" y="0"/>
                   </a:moveTo>
                   <a:lnTo>
-                    <a:pt x="5936987" y="0"/>
-                  </a:lnTo>
-                  <a:lnTo>
-                    <a:pt x="5936987" y="0"/>
+                    <a:pt x="6851387" y="0"/>
+                  </a:lnTo>
+                  <a:lnTo>
+                    <a:pt x="6851387" y="0"/>
                   </a:lnTo>
                 </a:path>
               </a:pathLst>
@@ -4164,21 +4164,21 @@
           </p:nvSpPr>
           <p:spPr>
             <a:xfrm>
-              <a:off x="2542904" y="2822584"/>
-              <a:ext cx="5936987" cy="0"/>
+              <a:off x="4280423" y="4245098"/>
+              <a:ext cx="6851387" cy="0"/>
             </a:xfrm>
             <a:custGeom>
               <a:avLst/>
               <a:pathLst>
-                <a:path w="5936987" h="0">
+                <a:path w="6851387" h="0">
                   <a:moveTo>
                     <a:pt x="0" y="0"/>
                   </a:moveTo>
                   <a:lnTo>
-                    <a:pt x="5936987" y="0"/>
-                  </a:lnTo>
-                  <a:lnTo>
-                    <a:pt x="5936987" y="0"/>
+                    <a:pt x="6851387" y="0"/>
+                  </a:lnTo>
+                  <a:lnTo>
+                    <a:pt x="6851387" y="0"/>
                   </a:lnTo>
                 </a:path>
               </a:pathLst>
@@ -4207,21 +4207,21 @@
           </p:nvSpPr>
           <p:spPr>
             <a:xfrm>
-              <a:off x="2542904" y="2596298"/>
-              <a:ext cx="5936987" cy="0"/>
+              <a:off x="4280423" y="3982526"/>
+              <a:ext cx="6851387" cy="0"/>
             </a:xfrm>
             <a:custGeom>
               <a:avLst/>
               <a:pathLst>
-                <a:path w="5936987" h="0">
+                <a:path w="6851387" h="0">
                   <a:moveTo>
                     <a:pt x="0" y="0"/>
                   </a:moveTo>
                   <a:lnTo>
-                    <a:pt x="5936987" y="0"/>
-                  </a:lnTo>
-                  <a:lnTo>
-                    <a:pt x="5936987" y="0"/>
+                    <a:pt x="6851387" y="0"/>
+                  </a:lnTo>
+                  <a:lnTo>
+                    <a:pt x="6851387" y="0"/>
                   </a:lnTo>
                 </a:path>
               </a:pathLst>
@@ -4250,21 +4250,21 @@
           </p:nvSpPr>
           <p:spPr>
             <a:xfrm>
-              <a:off x="2542904" y="2370012"/>
-              <a:ext cx="5936987" cy="0"/>
+              <a:off x="4280423" y="3719954"/>
+              <a:ext cx="6851387" cy="0"/>
             </a:xfrm>
             <a:custGeom>
               <a:avLst/>
               <a:pathLst>
-                <a:path w="5936987" h="0">
+                <a:path w="6851387" h="0">
                   <a:moveTo>
                     <a:pt x="0" y="0"/>
                   </a:moveTo>
                   <a:lnTo>
-                    <a:pt x="5936987" y="0"/>
-                  </a:lnTo>
-                  <a:lnTo>
-                    <a:pt x="5936987" y="0"/>
+                    <a:pt x="6851387" y="0"/>
+                  </a:lnTo>
+                  <a:lnTo>
+                    <a:pt x="6851387" y="0"/>
                   </a:lnTo>
                 </a:path>
               </a:pathLst>
@@ -4293,21 +4293,21 @@
           </p:nvSpPr>
           <p:spPr>
             <a:xfrm>
-              <a:off x="2542904" y="2143726"/>
-              <a:ext cx="5936987" cy="0"/>
+              <a:off x="4280423" y="3457383"/>
+              <a:ext cx="6851387" cy="0"/>
             </a:xfrm>
             <a:custGeom>
               <a:avLst/>
               <a:pathLst>
-                <a:path w="5936987" h="0">
+                <a:path w="6851387" h="0">
                   <a:moveTo>
                     <a:pt x="0" y="0"/>
                   </a:moveTo>
                   <a:lnTo>
-                    <a:pt x="5936987" y="0"/>
-                  </a:lnTo>
-                  <a:lnTo>
-                    <a:pt x="5936987" y="0"/>
+                    <a:pt x="6851387" y="0"/>
+                  </a:lnTo>
+                  <a:lnTo>
+                    <a:pt x="6851387" y="0"/>
                   </a:lnTo>
                 </a:path>
               </a:pathLst>
@@ -4336,21 +4336,21 @@
           </p:nvSpPr>
           <p:spPr>
             <a:xfrm>
-              <a:off x="2542904" y="1917440"/>
-              <a:ext cx="5936987" cy="0"/>
+              <a:off x="4280423" y="3194811"/>
+              <a:ext cx="6851387" cy="0"/>
             </a:xfrm>
             <a:custGeom>
               <a:avLst/>
               <a:pathLst>
-                <a:path w="5936987" h="0">
+                <a:path w="6851387" h="0">
                   <a:moveTo>
                     <a:pt x="0" y="0"/>
                   </a:moveTo>
                   <a:lnTo>
-                    <a:pt x="5936987" y="0"/>
-                  </a:lnTo>
-                  <a:lnTo>
-                    <a:pt x="5936987" y="0"/>
+                    <a:pt x="6851387" y="0"/>
+                  </a:lnTo>
+                  <a:lnTo>
+                    <a:pt x="6851387" y="0"/>
                   </a:lnTo>
                 </a:path>
               </a:pathLst>
@@ -4379,21 +4379,21 @@
           </p:nvSpPr>
           <p:spPr>
             <a:xfrm>
-              <a:off x="2542904" y="1691154"/>
-              <a:ext cx="5936987" cy="0"/>
+              <a:off x="4280423" y="2932239"/>
+              <a:ext cx="6851387" cy="0"/>
             </a:xfrm>
             <a:custGeom>
               <a:avLst/>
               <a:pathLst>
-                <a:path w="5936987" h="0">
+                <a:path w="6851387" h="0">
                   <a:moveTo>
                     <a:pt x="0" y="0"/>
                   </a:moveTo>
                   <a:lnTo>
-                    <a:pt x="5936987" y="0"/>
-                  </a:lnTo>
-                  <a:lnTo>
-                    <a:pt x="5936987" y="0"/>
+                    <a:pt x="6851387" y="0"/>
+                  </a:lnTo>
+                  <a:lnTo>
+                    <a:pt x="6851387" y="0"/>
                   </a:lnTo>
                 </a:path>
               </a:pathLst>
@@ -4422,21 +4422,21 @@
           </p:nvSpPr>
           <p:spPr>
             <a:xfrm>
-              <a:off x="2542904" y="1464868"/>
-              <a:ext cx="5936987" cy="0"/>
+              <a:off x="4280423" y="2669668"/>
+              <a:ext cx="6851387" cy="0"/>
             </a:xfrm>
             <a:custGeom>
               <a:avLst/>
               <a:pathLst>
-                <a:path w="5936987" h="0">
+                <a:path w="6851387" h="0">
                   <a:moveTo>
                     <a:pt x="0" y="0"/>
                   </a:moveTo>
                   <a:lnTo>
-                    <a:pt x="5936987" y="0"/>
-                  </a:lnTo>
-                  <a:lnTo>
-                    <a:pt x="5936987" y="0"/>
+                    <a:pt x="6851387" y="0"/>
+                  </a:lnTo>
+                  <a:lnTo>
+                    <a:pt x="6851387" y="0"/>
                   </a:lnTo>
                 </a:path>
               </a:pathLst>
@@ -4465,21 +4465,21 @@
           </p:nvSpPr>
           <p:spPr>
             <a:xfrm>
-              <a:off x="2542904" y="1238582"/>
-              <a:ext cx="5936987" cy="0"/>
+              <a:off x="4280423" y="2407096"/>
+              <a:ext cx="6851387" cy="0"/>
             </a:xfrm>
             <a:custGeom>
               <a:avLst/>
               <a:pathLst>
-                <a:path w="5936987" h="0">
+                <a:path w="6851387" h="0">
                   <a:moveTo>
                     <a:pt x="0" y="0"/>
                   </a:moveTo>
                   <a:lnTo>
-                    <a:pt x="5936987" y="0"/>
-                  </a:lnTo>
-                  <a:lnTo>
-                    <a:pt x="5936987" y="0"/>
+                    <a:pt x="6851387" y="0"/>
+                  </a:lnTo>
+                  <a:lnTo>
+                    <a:pt x="6851387" y="0"/>
                   </a:lnTo>
                 </a:path>
               </a:pathLst>
@@ -4508,21 +4508,21 @@
           </p:nvSpPr>
           <p:spPr>
             <a:xfrm>
-              <a:off x="2542904" y="1012296"/>
-              <a:ext cx="5936987" cy="0"/>
+              <a:off x="4280423" y="2144524"/>
+              <a:ext cx="6851387" cy="0"/>
             </a:xfrm>
             <a:custGeom>
               <a:avLst/>
               <a:pathLst>
-                <a:path w="5936987" h="0">
+                <a:path w="6851387" h="0">
                   <a:moveTo>
                     <a:pt x="0" y="0"/>
                   </a:moveTo>
                   <a:lnTo>
-                    <a:pt x="5936987" y="0"/>
-                  </a:lnTo>
-                  <a:lnTo>
-                    <a:pt x="5936987" y="0"/>
+                    <a:pt x="6851387" y="0"/>
+                  </a:lnTo>
+                  <a:lnTo>
+                    <a:pt x="6851387" y="0"/>
                   </a:lnTo>
                 </a:path>
               </a:pathLst>
@@ -4551,15 +4551,15 @@
           </p:nvSpPr>
           <p:spPr>
             <a:xfrm>
-              <a:off x="2542904" y="876525"/>
-              <a:ext cx="0" cy="5702405"/>
+              <a:off x="4280423" y="1986981"/>
+              <a:ext cx="0" cy="6616805"/>
             </a:xfrm>
             <a:custGeom>
               <a:avLst/>
               <a:pathLst>
-                <a:path w="0" h="5702405">
+                <a:path w="0" h="6616805">
                   <a:moveTo>
-                    <a:pt x="0" y="5702405"/>
+                    <a:pt x="0" y="6616805"/>
                   </a:moveTo>
                   <a:lnTo>
                     <a:pt x="0" y="0"/>
@@ -4594,15 +4594,15 @@
           </p:nvSpPr>
           <p:spPr>
             <a:xfrm>
-              <a:off x="3544725" y="876525"/>
-              <a:ext cx="0" cy="5702405"/>
+              <a:off x="5436541" y="1986981"/>
+              <a:ext cx="0" cy="6616805"/>
             </a:xfrm>
             <a:custGeom>
               <a:avLst/>
               <a:pathLst>
-                <a:path w="0" h="5702405">
+                <a:path w="0" h="6616805">
                   <a:moveTo>
-                    <a:pt x="0" y="5702405"/>
+                    <a:pt x="0" y="6616805"/>
                   </a:moveTo>
                   <a:lnTo>
                     <a:pt x="0" y="0"/>
@@ -4637,15 +4637,15 @@
           </p:nvSpPr>
           <p:spPr>
             <a:xfrm>
-              <a:off x="4546545" y="876525"/>
-              <a:ext cx="0" cy="5702405"/>
+              <a:off x="6592659" y="1986981"/>
+              <a:ext cx="0" cy="6616805"/>
             </a:xfrm>
             <a:custGeom>
               <a:avLst/>
               <a:pathLst>
-                <a:path w="0" h="5702405">
+                <a:path w="0" h="6616805">
                   <a:moveTo>
-                    <a:pt x="0" y="5702405"/>
+                    <a:pt x="0" y="6616805"/>
                   </a:moveTo>
                   <a:lnTo>
                     <a:pt x="0" y="0"/>
@@ -4680,15 +4680,15 @@
           </p:nvSpPr>
           <p:spPr>
             <a:xfrm>
-              <a:off x="5548365" y="876525"/>
-              <a:ext cx="0" cy="5702405"/>
+              <a:off x="7748777" y="1986981"/>
+              <a:ext cx="0" cy="6616805"/>
             </a:xfrm>
             <a:custGeom>
               <a:avLst/>
               <a:pathLst>
-                <a:path w="0" h="5702405">
+                <a:path w="0" h="6616805">
                   <a:moveTo>
-                    <a:pt x="0" y="5702405"/>
+                    <a:pt x="0" y="6616805"/>
                   </a:moveTo>
                   <a:lnTo>
                     <a:pt x="0" y="0"/>
@@ -4723,15 +4723,15 @@
           </p:nvSpPr>
           <p:spPr>
             <a:xfrm>
-              <a:off x="6550186" y="876525"/>
-              <a:ext cx="0" cy="5702405"/>
+              <a:off x="8904896" y="1986981"/>
+              <a:ext cx="0" cy="6616805"/>
             </a:xfrm>
             <a:custGeom>
               <a:avLst/>
               <a:pathLst>
-                <a:path w="0" h="5702405">
+                <a:path w="0" h="6616805">
                   <a:moveTo>
-                    <a:pt x="0" y="5702405"/>
+                    <a:pt x="0" y="6616805"/>
                   </a:moveTo>
                   <a:lnTo>
                     <a:pt x="0" y="0"/>
@@ -4766,15 +4766,15 @@
           </p:nvSpPr>
           <p:spPr>
             <a:xfrm>
-              <a:off x="7552006" y="876525"/>
-              <a:ext cx="0" cy="5702405"/>
+              <a:off x="10061014" y="1986981"/>
+              <a:ext cx="0" cy="6616805"/>
             </a:xfrm>
             <a:custGeom>
               <a:avLst/>
               <a:pathLst>
-                <a:path w="0" h="5702405">
+                <a:path w="0" h="6616805">
                   <a:moveTo>
-                    <a:pt x="0" y="5702405"/>
+                    <a:pt x="0" y="6616805"/>
                   </a:moveTo>
                   <a:lnTo>
                     <a:pt x="0" y="0"/>
@@ -4809,8 +4809,8 @@
           </p:nvSpPr>
           <p:spPr>
             <a:xfrm>
-              <a:off x="2542904" y="910468"/>
-              <a:ext cx="5820576" cy="203657"/>
+              <a:off x="4280423" y="2026367"/>
+              <a:ext cx="6717046" cy="236314"/>
             </a:xfrm>
             <a:prstGeom prst="rect">
               <a:avLst/>
@@ -4835,8 +4835,8 @@
           </p:nvSpPr>
           <p:spPr>
             <a:xfrm>
-              <a:off x="2542904" y="1136754"/>
-              <a:ext cx="5780503" cy="203657"/>
+              <a:off x="4280423" y="2288939"/>
+              <a:ext cx="6670801" cy="236314"/>
             </a:xfrm>
             <a:prstGeom prst="rect">
               <a:avLst/>
@@ -4861,8 +4861,8 @@
           </p:nvSpPr>
           <p:spPr>
             <a:xfrm>
-              <a:off x="2542904" y="1363039"/>
-              <a:ext cx="5129320" cy="203657"/>
+              <a:off x="4280423" y="2551510"/>
+              <a:ext cx="5919325" cy="236314"/>
             </a:xfrm>
             <a:prstGeom prst="rect">
               <a:avLst/>
@@ -4887,8 +4887,8 @@
           </p:nvSpPr>
           <p:spPr>
             <a:xfrm>
-              <a:off x="2542904" y="1589325"/>
-              <a:ext cx="4959010" cy="203657"/>
+              <a:off x="4280423" y="2814082"/>
+              <a:ext cx="5722785" cy="236314"/>
             </a:xfrm>
             <a:prstGeom prst="rect">
               <a:avLst/>
@@ -4913,8 +4913,8 @@
           </p:nvSpPr>
           <p:spPr>
             <a:xfrm>
-              <a:off x="2542904" y="1815611"/>
-              <a:ext cx="4858828" cy="203657"/>
+              <a:off x="4280423" y="3076654"/>
+              <a:ext cx="5607173" cy="236314"/>
             </a:xfrm>
             <a:prstGeom prst="rect">
               <a:avLst/>
@@ -4939,8 +4939,8 @@
           </p:nvSpPr>
           <p:spPr>
             <a:xfrm>
-              <a:off x="2542904" y="2041897"/>
-              <a:ext cx="4828773" cy="203657"/>
+              <a:off x="4280423" y="3339225"/>
+              <a:ext cx="5572489" cy="236314"/>
             </a:xfrm>
             <a:prstGeom prst="rect">
               <a:avLst/>
@@ -4965,8 +4965,8 @@
           </p:nvSpPr>
           <p:spPr>
             <a:xfrm>
-              <a:off x="2542904" y="2268183"/>
-              <a:ext cx="4608373" cy="203657"/>
+              <a:off x="4280423" y="3601797"/>
+              <a:ext cx="5318143" cy="236314"/>
             </a:xfrm>
             <a:prstGeom prst="rect">
               <a:avLst/>
@@ -4991,8 +4991,8 @@
           </p:nvSpPr>
           <p:spPr>
             <a:xfrm>
-              <a:off x="2542904" y="2494469"/>
-              <a:ext cx="4418027" cy="203657"/>
+              <a:off x="4280423" y="3864369"/>
+              <a:ext cx="5098481" cy="236314"/>
             </a:xfrm>
             <a:prstGeom prst="rect">
               <a:avLst/>
@@ -5017,8 +5017,8 @@
           </p:nvSpPr>
           <p:spPr>
             <a:xfrm>
-              <a:off x="2542904" y="2720755"/>
-              <a:ext cx="4377954" cy="203657"/>
+              <a:off x="4280423" y="4126940"/>
+              <a:ext cx="5052236" cy="236314"/>
             </a:xfrm>
             <a:prstGeom prst="rect">
               <a:avLst/>
@@ -5043,8 +5043,8 @@
           </p:nvSpPr>
           <p:spPr>
             <a:xfrm>
-              <a:off x="2542904" y="2947041"/>
-              <a:ext cx="4017299" cy="203657"/>
+              <a:off x="4280423" y="4389512"/>
+              <a:ext cx="4636033" cy="236314"/>
             </a:xfrm>
             <a:prstGeom prst="rect">
               <a:avLst/>
@@ -5069,8 +5069,8 @@
           </p:nvSpPr>
           <p:spPr>
             <a:xfrm>
-              <a:off x="2542904" y="3173327"/>
-              <a:ext cx="3776862" cy="203657"/>
+              <a:off x="4280423" y="4652084"/>
+              <a:ext cx="4358565" cy="236314"/>
             </a:xfrm>
             <a:prstGeom prst="rect">
               <a:avLst/>
@@ -5095,8 +5095,8 @@
           </p:nvSpPr>
           <p:spPr>
             <a:xfrm>
-              <a:off x="2542904" y="3399613"/>
-              <a:ext cx="3726771" cy="203657"/>
+              <a:off x="4280423" y="4914655"/>
+              <a:ext cx="4300759" cy="236314"/>
             </a:xfrm>
             <a:prstGeom prst="rect">
               <a:avLst/>
@@ -5121,8 +5121,8 @@
           </p:nvSpPr>
           <p:spPr>
             <a:xfrm>
-              <a:off x="2542904" y="3625899"/>
-              <a:ext cx="3526407" cy="203657"/>
+              <a:off x="4280423" y="5177227"/>
+              <a:ext cx="4069536" cy="236314"/>
             </a:xfrm>
             <a:prstGeom prst="rect">
               <a:avLst/>
@@ -5147,8 +5147,8 @@
           </p:nvSpPr>
           <p:spPr>
             <a:xfrm>
-              <a:off x="2542904" y="3852185"/>
-              <a:ext cx="3466298" cy="203657"/>
+              <a:off x="4280423" y="5439799"/>
+              <a:ext cx="4000168" cy="236314"/>
             </a:xfrm>
             <a:prstGeom prst="rect">
               <a:avLst/>
@@ -5173,8 +5173,8 @@
           </p:nvSpPr>
           <p:spPr>
             <a:xfrm>
-              <a:off x="2542904" y="4078471"/>
-              <a:ext cx="3045533" cy="203657"/>
+              <a:off x="4280423" y="5702370"/>
+              <a:ext cx="3514599" cy="236314"/>
             </a:xfrm>
             <a:prstGeom prst="rect">
               <a:avLst/>
@@ -5199,8 +5199,8 @@
           </p:nvSpPr>
           <p:spPr>
             <a:xfrm>
-              <a:off x="2542904" y="4304757"/>
-              <a:ext cx="2985424" cy="203657"/>
+              <a:off x="4280423" y="5964942"/>
+              <a:ext cx="3445232" cy="236314"/>
             </a:xfrm>
             <a:prstGeom prst="rect">
               <a:avLst/>
@@ -5225,8 +5225,8 @@
           </p:nvSpPr>
           <p:spPr>
             <a:xfrm>
-              <a:off x="2542904" y="4531043"/>
-              <a:ext cx="2885242" cy="203657"/>
+              <a:off x="4280423" y="6227514"/>
+              <a:ext cx="3329620" cy="236314"/>
             </a:xfrm>
             <a:prstGeom prst="rect">
               <a:avLst/>
@@ -5251,8 +5251,8 @@
           </p:nvSpPr>
           <p:spPr>
             <a:xfrm>
-              <a:off x="2542904" y="4757329"/>
-              <a:ext cx="2865206" cy="203657"/>
+              <a:off x="4280423" y="6490085"/>
+              <a:ext cx="3306498" cy="236314"/>
             </a:xfrm>
             <a:prstGeom prst="rect">
               <a:avLst/>
@@ -5277,8 +5277,8 @@
           </p:nvSpPr>
           <p:spPr>
             <a:xfrm>
-              <a:off x="2542904" y="4983615"/>
-              <a:ext cx="2564660" cy="203657"/>
+              <a:off x="4280423" y="6752657"/>
+              <a:ext cx="2959662" cy="236314"/>
             </a:xfrm>
             <a:prstGeom prst="rect">
               <a:avLst/>
@@ -5303,8 +5303,8 @@
           </p:nvSpPr>
           <p:spPr>
             <a:xfrm>
-              <a:off x="2542904" y="5209901"/>
-              <a:ext cx="2534605" cy="203657"/>
+              <a:off x="4280423" y="7015229"/>
+              <a:ext cx="2924979" cy="236314"/>
             </a:xfrm>
             <a:prstGeom prst="rect">
               <a:avLst/>
@@ -5329,8 +5329,8 @@
           </p:nvSpPr>
           <p:spPr>
             <a:xfrm>
-              <a:off x="2542904" y="5436187"/>
-              <a:ext cx="2384332" cy="203657"/>
+              <a:off x="4280423" y="7277800"/>
+              <a:ext cx="2751561" cy="236314"/>
             </a:xfrm>
             <a:prstGeom prst="rect">
               <a:avLst/>
@@ -5355,8 +5355,8 @@
           </p:nvSpPr>
           <p:spPr>
             <a:xfrm>
-              <a:off x="2542904" y="5662473"/>
-              <a:ext cx="2344259" cy="203657"/>
+              <a:off x="4280423" y="7540372"/>
+              <a:ext cx="2705316" cy="236314"/>
             </a:xfrm>
             <a:prstGeom prst="rect">
               <a:avLst/>
@@ -5381,8 +5381,8 @@
           </p:nvSpPr>
           <p:spPr>
             <a:xfrm>
-              <a:off x="2542904" y="5888758"/>
-              <a:ext cx="2244077" cy="203657"/>
+              <a:off x="4280423" y="7802944"/>
+              <a:ext cx="2589704" cy="236314"/>
             </a:xfrm>
             <a:prstGeom prst="rect">
               <a:avLst/>
@@ -5407,8 +5407,8 @@
           </p:nvSpPr>
           <p:spPr>
             <a:xfrm>
-              <a:off x="2542904" y="6115044"/>
-              <a:ext cx="2163931" cy="203657"/>
+              <a:off x="4280423" y="8065515"/>
+              <a:ext cx="2497215" cy="236314"/>
             </a:xfrm>
             <a:prstGeom prst="rect">
               <a:avLst/>
@@ -5433,8 +5433,8 @@
           </p:nvSpPr>
           <p:spPr>
             <a:xfrm>
-              <a:off x="2542904" y="6341330"/>
-              <a:ext cx="2053731" cy="203657"/>
+              <a:off x="4280423" y="8328087"/>
+              <a:ext cx="2370042" cy="236314"/>
             </a:xfrm>
             <a:prstGeom prst="rect">
               <a:avLst/>
@@ -5459,7 +5459,7 @@
           </p:nvSpPr>
           <p:spPr>
             <a:xfrm>
-              <a:off x="7793282" y="955278"/>
+              <a:off x="10328614" y="2087506"/>
               <a:ext cx="560180" cy="80298"/>
             </a:xfrm>
             <a:prstGeom prst="rect">
@@ -5505,7 +5505,7 @@
           </p:nvSpPr>
           <p:spPr>
             <a:xfrm>
-              <a:off x="6657196" y="1181564"/>
+              <a:off x="9186356" y="2350077"/>
               <a:ext cx="1656193" cy="80298"/>
             </a:xfrm>
             <a:prstGeom prst="rect">
@@ -5551,7 +5551,7 @@
           </p:nvSpPr>
           <p:spPr>
             <a:xfrm>
-              <a:off x="5512209" y="1407850"/>
+              <a:off x="7941076" y="2612649"/>
               <a:ext cx="2149997" cy="80298"/>
             </a:xfrm>
             <a:prstGeom prst="rect">
@@ -5597,7 +5597,7 @@
           </p:nvSpPr>
           <p:spPr>
             <a:xfrm>
-              <a:off x="6227136" y="1634136"/>
+              <a:off x="8629772" y="2875221"/>
               <a:ext cx="1264760" cy="80298"/>
             </a:xfrm>
             <a:prstGeom prst="rect">
@@ -5643,7 +5643,7 @@
           </p:nvSpPr>
           <p:spPr>
             <a:xfrm>
-              <a:off x="4970652" y="1860422"/>
+              <a:off x="7357858" y="3137792"/>
               <a:ext cx="2421062" cy="80298"/>
             </a:xfrm>
             <a:prstGeom prst="rect">
@@ -5689,7 +5689,7 @@
           </p:nvSpPr>
           <p:spPr>
             <a:xfrm>
-              <a:off x="6139034" y="2086708"/>
+              <a:off x="8521611" y="3400364"/>
               <a:ext cx="1222626" cy="80298"/>
             </a:xfrm>
             <a:prstGeom prst="rect">
@@ -5735,7 +5735,7 @@
           </p:nvSpPr>
           <p:spPr>
             <a:xfrm>
-              <a:off x="5557213" y="2312993"/>
+              <a:off x="7905845" y="3662936"/>
               <a:ext cx="1584046" cy="80298"/>
             </a:xfrm>
             <a:prstGeom prst="rect">
@@ -5781,7 +5781,7 @@
           </p:nvSpPr>
           <p:spPr>
             <a:xfrm>
-              <a:off x="6330602" y="2539279"/>
+              <a:off x="8649917" y="3925507"/>
               <a:ext cx="620311" cy="80298"/>
             </a:xfrm>
             <a:prstGeom prst="rect">
@@ -5827,7 +5827,7 @@
           </p:nvSpPr>
           <p:spPr>
             <a:xfrm>
-              <a:off x="4814940" y="2765618"/>
+              <a:off x="7128084" y="4188132"/>
               <a:ext cx="2095900" cy="80245"/>
             </a:xfrm>
             <a:prstGeom prst="rect">
@@ -5873,7 +5873,7 @@
           </p:nvSpPr>
           <p:spPr>
             <a:xfrm>
-              <a:off x="3948413" y="2991904"/>
+              <a:off x="6206009" y="4450704"/>
               <a:ext cx="2601772" cy="80245"/>
             </a:xfrm>
             <a:prstGeom prst="rect">
@@ -5919,7 +5919,7 @@
           </p:nvSpPr>
           <p:spPr>
             <a:xfrm>
-              <a:off x="3455172" y="3218190"/>
+              <a:off x="5675737" y="4713275"/>
               <a:ext cx="2854576" cy="80245"/>
             </a:xfrm>
             <a:prstGeom prst="rect">
@@ -5965,7 +5965,7 @@
           </p:nvSpPr>
           <p:spPr>
             <a:xfrm>
-              <a:off x="3766343" y="3444423"/>
+              <a:off x="5979192" y="4975794"/>
               <a:ext cx="2493314" cy="80298"/>
             </a:xfrm>
             <a:prstGeom prst="rect">
@@ -6011,7 +6011,7 @@
           </p:nvSpPr>
           <p:spPr>
             <a:xfrm>
-              <a:off x="5029340" y="3670709"/>
+              <a:off x="7211330" y="5238366"/>
               <a:ext cx="1029953" cy="80298"/>
             </a:xfrm>
             <a:prstGeom prst="rect">
@@ -6057,7 +6057,7 @@
           </p:nvSpPr>
           <p:spPr>
             <a:xfrm>
-              <a:off x="4144337" y="3896995"/>
+              <a:off x="6317069" y="5500937"/>
               <a:ext cx="1854847" cy="80298"/>
             </a:xfrm>
             <a:prstGeom prst="rect">
@@ -6103,7 +6103,7 @@
           </p:nvSpPr>
           <p:spPr>
             <a:xfrm>
-              <a:off x="3910211" y="4123281"/>
+              <a:off x="6018138" y="5763509"/>
               <a:ext cx="1668208" cy="80298"/>
             </a:xfrm>
             <a:prstGeom prst="rect">
@@ -6149,7 +6149,7 @@
           </p:nvSpPr>
           <p:spPr>
             <a:xfrm>
-              <a:off x="4681242" y="4343162"/>
+              <a:off x="6779911" y="6019676"/>
               <a:ext cx="837068" cy="86702"/>
             </a:xfrm>
             <a:prstGeom prst="rect">
@@ -6195,7 +6195,7 @@
           </p:nvSpPr>
           <p:spPr>
             <a:xfrm>
-              <a:off x="5438165" y="4591373"/>
+              <a:off x="7718718" y="6304172"/>
               <a:ext cx="1843096" cy="80298"/>
             </a:xfrm>
             <a:prstGeom prst="rect">
@@ -6241,7 +6241,7 @@
           </p:nvSpPr>
           <p:spPr>
             <a:xfrm>
-              <a:off x="5418129" y="4817659"/>
+              <a:off x="7695596" y="6566744"/>
               <a:ext cx="1156408" cy="80298"/>
             </a:xfrm>
             <a:prstGeom prst="rect">
@@ -6287,7 +6287,7 @@
           </p:nvSpPr>
           <p:spPr>
             <a:xfrm>
-              <a:off x="5117583" y="5043945"/>
+              <a:off x="7348761" y="6829315"/>
               <a:ext cx="2572130" cy="80298"/>
             </a:xfrm>
             <a:prstGeom prst="rect">
@@ -6333,7 +6333,7 @@
           </p:nvSpPr>
           <p:spPr>
             <a:xfrm>
-              <a:off x="5087528" y="5270231"/>
+              <a:off x="7314077" y="7091887"/>
               <a:ext cx="1764651" cy="80298"/>
             </a:xfrm>
             <a:prstGeom prst="rect">
@@ -6379,7 +6379,7 @@
           </p:nvSpPr>
           <p:spPr>
             <a:xfrm>
-              <a:off x="4937255" y="5496516"/>
+              <a:off x="7140659" y="7354459"/>
               <a:ext cx="2361090" cy="80298"/>
             </a:xfrm>
             <a:prstGeom prst="rect">
@@ -6425,7 +6425,7 @@
           </p:nvSpPr>
           <p:spPr>
             <a:xfrm>
-              <a:off x="4897182" y="5722802"/>
+              <a:off x="7094415" y="7617030"/>
               <a:ext cx="1764863" cy="80298"/>
             </a:xfrm>
             <a:prstGeom prst="rect">
@@ -6471,7 +6471,7 @@
           </p:nvSpPr>
           <p:spPr>
             <a:xfrm>
-              <a:off x="4797000" y="5949088"/>
+              <a:off x="6978803" y="7879602"/>
               <a:ext cx="2234582" cy="80298"/>
             </a:xfrm>
             <a:prstGeom prst="rect">
@@ -6517,7 +6517,7 @@
           </p:nvSpPr>
           <p:spPr>
             <a:xfrm>
-              <a:off x="4716854" y="6175374"/>
+              <a:off x="6886313" y="8142174"/>
               <a:ext cx="1632373" cy="80298"/>
             </a:xfrm>
             <a:prstGeom prst="rect">
@@ -6563,7 +6563,7 @@
           </p:nvSpPr>
           <p:spPr>
             <a:xfrm>
-              <a:off x="4606654" y="6401660"/>
+              <a:off x="6759140" y="8404745"/>
               <a:ext cx="3415075" cy="80298"/>
             </a:xfrm>
             <a:prstGeom prst="rect">
@@ -6609,8 +6609,8 @@
           </p:nvSpPr>
           <p:spPr>
             <a:xfrm>
-              <a:off x="2542904" y="876525"/>
-              <a:ext cx="5936987" cy="5702405"/>
+              <a:off x="4280423" y="1986981"/>
+              <a:ext cx="6851387" cy="6616805"/>
             </a:xfrm>
             <a:prstGeom prst="rect">
               <a:avLst/>
@@ -6639,7 +6639,7 @@
           </p:nvSpPr>
           <p:spPr>
             <a:xfrm>
-              <a:off x="2383799" y="6401467"/>
+              <a:off x="4121317" y="8404552"/>
               <a:ext cx="124311" cy="81691"/>
             </a:xfrm>
             <a:prstGeom prst="rect">
@@ -6685,7 +6685,7 @@
           </p:nvSpPr>
           <p:spPr>
             <a:xfrm>
-              <a:off x="2383799" y="6176546"/>
+              <a:off x="4121317" y="8143345"/>
               <a:ext cx="124311" cy="80327"/>
             </a:xfrm>
             <a:prstGeom prst="rect">
@@ -6731,7 +6731,7 @@
           </p:nvSpPr>
           <p:spPr>
             <a:xfrm>
-              <a:off x="2383799" y="5948895"/>
+              <a:off x="4121317" y="7879409"/>
               <a:ext cx="124311" cy="81691"/>
             </a:xfrm>
             <a:prstGeom prst="rect">
@@ -6777,7 +6777,7 @@
           </p:nvSpPr>
           <p:spPr>
             <a:xfrm>
-              <a:off x="2383799" y="5723974"/>
+              <a:off x="4121317" y="7618202"/>
               <a:ext cx="124311" cy="80327"/>
             </a:xfrm>
             <a:prstGeom prst="rect">
@@ -6823,7 +6823,7 @@
           </p:nvSpPr>
           <p:spPr>
             <a:xfrm>
-              <a:off x="2383799" y="5497688"/>
+              <a:off x="4121317" y="7355630"/>
               <a:ext cx="124311" cy="80327"/>
             </a:xfrm>
             <a:prstGeom prst="rect">
@@ -6869,7 +6869,7 @@
           </p:nvSpPr>
           <p:spPr>
             <a:xfrm>
-              <a:off x="2383799" y="5270038"/>
+              <a:off x="4121317" y="7091694"/>
               <a:ext cx="124311" cy="81691"/>
             </a:xfrm>
             <a:prstGeom prst="rect">
@@ -6915,7 +6915,7 @@
           </p:nvSpPr>
           <p:spPr>
             <a:xfrm>
-              <a:off x="2383799" y="5043697"/>
+              <a:off x="4121317" y="6829068"/>
               <a:ext cx="124311" cy="81746"/>
             </a:xfrm>
             <a:prstGeom prst="rect">
@@ -6961,7 +6961,7 @@
           </p:nvSpPr>
           <p:spPr>
             <a:xfrm>
-              <a:off x="2383799" y="4817411"/>
+              <a:off x="4121317" y="6566496"/>
               <a:ext cx="124311" cy="81746"/>
             </a:xfrm>
             <a:prstGeom prst="rect">
@@ -7007,7 +7007,7 @@
           </p:nvSpPr>
           <p:spPr>
             <a:xfrm>
-              <a:off x="2383799" y="4592544"/>
+              <a:off x="4121317" y="6305343"/>
               <a:ext cx="124311" cy="80327"/>
             </a:xfrm>
             <a:prstGeom prst="rect">
@@ -7053,7 +7053,7 @@
           </p:nvSpPr>
           <p:spPr>
             <a:xfrm>
-              <a:off x="2383799" y="4364894"/>
+              <a:off x="4121317" y="6041407"/>
               <a:ext cx="124311" cy="81691"/>
             </a:xfrm>
             <a:prstGeom prst="rect">
@@ -7099,7 +7099,7 @@
           </p:nvSpPr>
           <p:spPr>
             <a:xfrm>
-              <a:off x="2383799" y="4138608"/>
+              <a:off x="4121317" y="5778836"/>
               <a:ext cx="124311" cy="81691"/>
             </a:xfrm>
             <a:prstGeom prst="rect">
@@ -7145,7 +7145,7 @@
           </p:nvSpPr>
           <p:spPr>
             <a:xfrm>
-              <a:off x="2383799" y="3913686"/>
+              <a:off x="4121317" y="5517628"/>
               <a:ext cx="124311" cy="80327"/>
             </a:xfrm>
             <a:prstGeom prst="rect">
@@ -7191,7 +7191,7 @@
           </p:nvSpPr>
           <p:spPr>
             <a:xfrm>
-              <a:off x="2383799" y="3686036"/>
+              <a:off x="4121317" y="5253692"/>
               <a:ext cx="124311" cy="81691"/>
             </a:xfrm>
             <a:prstGeom prst="rect">
@@ -7237,7 +7237,7 @@
           </p:nvSpPr>
           <p:spPr>
             <a:xfrm>
-              <a:off x="2383799" y="3461114"/>
+              <a:off x="4121317" y="4992485"/>
               <a:ext cx="124311" cy="80327"/>
             </a:xfrm>
             <a:prstGeom prst="rect">
@@ -7283,7 +7283,7 @@
           </p:nvSpPr>
           <p:spPr>
             <a:xfrm>
-              <a:off x="2383799" y="3234828"/>
+              <a:off x="4121317" y="4729913"/>
               <a:ext cx="124311" cy="80327"/>
             </a:xfrm>
             <a:prstGeom prst="rect">
@@ -7329,7 +7329,7 @@
           </p:nvSpPr>
           <p:spPr>
             <a:xfrm>
-              <a:off x="2383799" y="3007178"/>
+              <a:off x="4121317" y="4465977"/>
               <a:ext cx="124311" cy="81691"/>
             </a:xfrm>
             <a:prstGeom prst="rect">
@@ -7375,7 +7375,7 @@
           </p:nvSpPr>
           <p:spPr>
             <a:xfrm>
-              <a:off x="2445954" y="2780838"/>
+              <a:off x="4183473" y="4203351"/>
               <a:ext cx="62155" cy="81746"/>
             </a:xfrm>
             <a:prstGeom prst="rect">
@@ -7421,7 +7421,7 @@
           </p:nvSpPr>
           <p:spPr>
             <a:xfrm>
-              <a:off x="2445954" y="2554552"/>
+              <a:off x="4183473" y="3940780"/>
               <a:ext cx="62155" cy="81746"/>
             </a:xfrm>
             <a:prstGeom prst="rect">
@@ -7467,7 +7467,7 @@
           </p:nvSpPr>
           <p:spPr>
             <a:xfrm>
-              <a:off x="2445954" y="2331103"/>
+              <a:off x="4183473" y="3681046"/>
               <a:ext cx="62155" cy="78908"/>
             </a:xfrm>
             <a:prstGeom prst="rect">
@@ -7513,7 +7513,7 @@
           </p:nvSpPr>
           <p:spPr>
             <a:xfrm>
-              <a:off x="2445954" y="2102034"/>
+              <a:off x="4183473" y="3415691"/>
               <a:ext cx="62155" cy="81691"/>
             </a:xfrm>
             <a:prstGeom prst="rect">
@@ -7559,7 +7559,7 @@
           </p:nvSpPr>
           <p:spPr>
             <a:xfrm>
-              <a:off x="2445954" y="1877167"/>
+              <a:off x="4183473" y="3154538"/>
               <a:ext cx="62155" cy="80272"/>
             </a:xfrm>
             <a:prstGeom prst="rect">
@@ -7605,7 +7605,7 @@
           </p:nvSpPr>
           <p:spPr>
             <a:xfrm>
-              <a:off x="2445954" y="1650827"/>
+              <a:off x="4183473" y="2891912"/>
               <a:ext cx="62155" cy="80327"/>
             </a:xfrm>
             <a:prstGeom prst="rect">
@@ -7651,7 +7651,7 @@
           </p:nvSpPr>
           <p:spPr>
             <a:xfrm>
-              <a:off x="2445954" y="1423176"/>
+              <a:off x="4183473" y="2627976"/>
               <a:ext cx="62155" cy="81691"/>
             </a:xfrm>
             <a:prstGeom prst="rect">
@@ -7697,7 +7697,7 @@
           </p:nvSpPr>
           <p:spPr>
             <a:xfrm>
-              <a:off x="2445954" y="1198255"/>
+              <a:off x="4183473" y="2366768"/>
               <a:ext cx="62155" cy="80327"/>
             </a:xfrm>
             <a:prstGeom prst="rect">
@@ -7743,7 +7743,7 @@
           </p:nvSpPr>
           <p:spPr>
             <a:xfrm>
-              <a:off x="2445954" y="971969"/>
+              <a:off x="4183473" y="2104197"/>
               <a:ext cx="62155" cy="80327"/>
             </a:xfrm>
             <a:prstGeom prst="rect">
@@ -7789,7 +7789,7 @@
           </p:nvSpPr>
           <p:spPr>
             <a:xfrm>
-              <a:off x="2508110" y="6443159"/>
+              <a:off x="4245628" y="8446244"/>
               <a:ext cx="34794" cy="0"/>
             </a:xfrm>
             <a:custGeom>
@@ -7829,7 +7829,7 @@
           </p:nvSpPr>
           <p:spPr>
             <a:xfrm>
-              <a:off x="2508110" y="6216873"/>
+              <a:off x="4245628" y="8183672"/>
               <a:ext cx="34794" cy="0"/>
             </a:xfrm>
             <a:custGeom>
@@ -7869,7 +7869,7 @@
           </p:nvSpPr>
           <p:spPr>
             <a:xfrm>
-              <a:off x="2508110" y="5990587"/>
+              <a:off x="4245628" y="7921101"/>
               <a:ext cx="34794" cy="0"/>
             </a:xfrm>
             <a:custGeom>
@@ -7909,7 +7909,7 @@
           </p:nvSpPr>
           <p:spPr>
             <a:xfrm>
-              <a:off x="2508110" y="5764301"/>
+              <a:off x="4245628" y="7658529"/>
               <a:ext cx="34794" cy="0"/>
             </a:xfrm>
             <a:custGeom>
@@ -7949,7 +7949,7 @@
           </p:nvSpPr>
           <p:spPr>
             <a:xfrm>
-              <a:off x="2508110" y="5538015"/>
+              <a:off x="4245628" y="7395957"/>
               <a:ext cx="34794" cy="0"/>
             </a:xfrm>
             <a:custGeom>
@@ -7989,7 +7989,7 @@
           </p:nvSpPr>
           <p:spPr>
             <a:xfrm>
-              <a:off x="2508110" y="5311729"/>
+              <a:off x="4245628" y="7133386"/>
               <a:ext cx="34794" cy="0"/>
             </a:xfrm>
             <a:custGeom>
@@ -8029,7 +8029,7 @@
           </p:nvSpPr>
           <p:spPr>
             <a:xfrm>
-              <a:off x="2508110" y="5085443"/>
+              <a:off x="4245628" y="6870814"/>
               <a:ext cx="34794" cy="0"/>
             </a:xfrm>
             <a:custGeom>
@@ -8069,7 +8069,7 @@
           </p:nvSpPr>
           <p:spPr>
             <a:xfrm>
-              <a:off x="2508110" y="4859157"/>
+              <a:off x="4245628" y="6608242"/>
               <a:ext cx="34794" cy="0"/>
             </a:xfrm>
             <a:custGeom>
@@ -8109,7 +8109,7 @@
           </p:nvSpPr>
           <p:spPr>
             <a:xfrm>
-              <a:off x="2508110" y="4632871"/>
+              <a:off x="4245628" y="6345671"/>
               <a:ext cx="34794" cy="0"/>
             </a:xfrm>
             <a:custGeom>
@@ -8149,7 +8149,7 @@
           </p:nvSpPr>
           <p:spPr>
             <a:xfrm>
-              <a:off x="2508110" y="4406586"/>
+              <a:off x="4245628" y="6083099"/>
               <a:ext cx="34794" cy="0"/>
             </a:xfrm>
             <a:custGeom>
@@ -8189,7 +8189,7 @@
           </p:nvSpPr>
           <p:spPr>
             <a:xfrm>
-              <a:off x="2508110" y="4180300"/>
+              <a:off x="4245628" y="5820527"/>
               <a:ext cx="34794" cy="0"/>
             </a:xfrm>
             <a:custGeom>
@@ -8229,7 +8229,7 @@
           </p:nvSpPr>
           <p:spPr>
             <a:xfrm>
-              <a:off x="2508110" y="3954014"/>
+              <a:off x="4245628" y="5557956"/>
               <a:ext cx="34794" cy="0"/>
             </a:xfrm>
             <a:custGeom>
@@ -8269,7 +8269,7 @@
           </p:nvSpPr>
           <p:spPr>
             <a:xfrm>
-              <a:off x="2508110" y="3727728"/>
+              <a:off x="4245628" y="5295384"/>
               <a:ext cx="34794" cy="0"/>
             </a:xfrm>
             <a:custGeom>
@@ -8309,7 +8309,7 @@
           </p:nvSpPr>
           <p:spPr>
             <a:xfrm>
-              <a:off x="2508110" y="3501442"/>
+              <a:off x="4245628" y="5032812"/>
               <a:ext cx="34794" cy="0"/>
             </a:xfrm>
             <a:custGeom>
@@ -8349,7 +8349,7 @@
           </p:nvSpPr>
           <p:spPr>
             <a:xfrm>
-              <a:off x="2508110" y="3275156"/>
+              <a:off x="4245628" y="4770241"/>
               <a:ext cx="34794" cy="0"/>
             </a:xfrm>
             <a:custGeom>
@@ -8389,7 +8389,7 @@
           </p:nvSpPr>
           <p:spPr>
             <a:xfrm>
-              <a:off x="2508110" y="3048870"/>
+              <a:off x="4245628" y="4507669"/>
               <a:ext cx="34794" cy="0"/>
             </a:xfrm>
             <a:custGeom>
@@ -8429,7 +8429,7 @@
           </p:nvSpPr>
           <p:spPr>
             <a:xfrm>
-              <a:off x="2508110" y="2822584"/>
+              <a:off x="4245628" y="4245098"/>
               <a:ext cx="34794" cy="0"/>
             </a:xfrm>
             <a:custGeom>
@@ -8469,7 +8469,7 @@
           </p:nvSpPr>
           <p:spPr>
             <a:xfrm>
-              <a:off x="2508110" y="2596298"/>
+              <a:off x="4245628" y="3982526"/>
               <a:ext cx="34794" cy="0"/>
             </a:xfrm>
             <a:custGeom>
@@ -8509,7 +8509,7 @@
           </p:nvSpPr>
           <p:spPr>
             <a:xfrm>
-              <a:off x="2508110" y="2370012"/>
+              <a:off x="4245628" y="3719954"/>
               <a:ext cx="34794" cy="0"/>
             </a:xfrm>
             <a:custGeom>
@@ -8549,7 +8549,7 @@
           </p:nvSpPr>
           <p:spPr>
             <a:xfrm>
-              <a:off x="2508110" y="2143726"/>
+              <a:off x="4245628" y="3457383"/>
               <a:ext cx="34794" cy="0"/>
             </a:xfrm>
             <a:custGeom>
@@ -8589,7 +8589,7 @@
           </p:nvSpPr>
           <p:spPr>
             <a:xfrm>
-              <a:off x="2508110" y="1917440"/>
+              <a:off x="4245628" y="3194811"/>
               <a:ext cx="34794" cy="0"/>
             </a:xfrm>
             <a:custGeom>
@@ -8629,7 +8629,7 @@
           </p:nvSpPr>
           <p:spPr>
             <a:xfrm>
-              <a:off x="2508110" y="1691154"/>
+              <a:off x="4245628" y="2932239"/>
               <a:ext cx="34794" cy="0"/>
             </a:xfrm>
             <a:custGeom>
@@ -8669,7 +8669,7 @@
           </p:nvSpPr>
           <p:spPr>
             <a:xfrm>
-              <a:off x="2508110" y="1464868"/>
+              <a:off x="4245628" y="2669668"/>
               <a:ext cx="34794" cy="0"/>
             </a:xfrm>
             <a:custGeom>
@@ -8709,7 +8709,7 @@
           </p:nvSpPr>
           <p:spPr>
             <a:xfrm>
-              <a:off x="2508110" y="1238582"/>
+              <a:off x="4245628" y="2407096"/>
               <a:ext cx="34794" cy="0"/>
             </a:xfrm>
             <a:custGeom>
@@ -8749,7 +8749,7 @@
           </p:nvSpPr>
           <p:spPr>
             <a:xfrm>
-              <a:off x="2508110" y="1012296"/>
+              <a:off x="4245628" y="2144524"/>
               <a:ext cx="34794" cy="0"/>
             </a:xfrm>
             <a:custGeom>
@@ -8789,7 +8789,7 @@
           </p:nvSpPr>
           <p:spPr>
             <a:xfrm>
-              <a:off x="2542904" y="6578931"/>
+              <a:off x="4280423" y="8603787"/>
               <a:ext cx="0" cy="34794"/>
             </a:xfrm>
             <a:custGeom>
@@ -8829,7 +8829,7 @@
           </p:nvSpPr>
           <p:spPr>
             <a:xfrm>
-              <a:off x="3544725" y="6578931"/>
+              <a:off x="5436541" y="8603787"/>
               <a:ext cx="0" cy="34794"/>
             </a:xfrm>
             <a:custGeom>
@@ -8869,7 +8869,7 @@
           </p:nvSpPr>
           <p:spPr>
             <a:xfrm>
-              <a:off x="4546545" y="6578931"/>
+              <a:off x="6592659" y="8603787"/>
               <a:ext cx="0" cy="34794"/>
             </a:xfrm>
             <a:custGeom>
@@ -8909,7 +8909,7 @@
           </p:nvSpPr>
           <p:spPr>
             <a:xfrm>
-              <a:off x="5548365" y="6578931"/>
+              <a:off x="7748777" y="8603787"/>
               <a:ext cx="0" cy="34794"/>
             </a:xfrm>
             <a:custGeom>
@@ -8949,7 +8949,7 @@
           </p:nvSpPr>
           <p:spPr>
             <a:xfrm>
-              <a:off x="6550186" y="6578931"/>
+              <a:off x="8904896" y="8603787"/>
               <a:ext cx="0" cy="34794"/>
             </a:xfrm>
             <a:custGeom>
@@ -8989,7 +8989,7 @@
           </p:nvSpPr>
           <p:spPr>
             <a:xfrm>
-              <a:off x="7552006" y="6578931"/>
+              <a:off x="10061014" y="8603787"/>
               <a:ext cx="0" cy="34794"/>
             </a:xfrm>
             <a:custGeom>
@@ -9029,7 +9029,7 @@
           </p:nvSpPr>
           <p:spPr>
             <a:xfrm>
-              <a:off x="2511827" y="6639869"/>
+              <a:off x="4249345" y="8664726"/>
               <a:ext cx="62155" cy="81691"/>
             </a:xfrm>
             <a:prstGeom prst="rect">
@@ -9075,7 +9075,7 @@
           </p:nvSpPr>
           <p:spPr>
             <a:xfrm>
-              <a:off x="3451491" y="6639869"/>
+              <a:off x="5343308" y="8664726"/>
               <a:ext cx="186466" cy="81691"/>
             </a:xfrm>
             <a:prstGeom prst="rect">
@@ -9121,7 +9121,7 @@
           </p:nvSpPr>
           <p:spPr>
             <a:xfrm>
-              <a:off x="4453312" y="6639869"/>
+              <a:off x="6499426" y="8664726"/>
               <a:ext cx="186466" cy="81691"/>
             </a:xfrm>
             <a:prstGeom prst="rect">
@@ -9167,7 +9167,7 @@
           </p:nvSpPr>
           <p:spPr>
             <a:xfrm>
-              <a:off x="5455132" y="6639815"/>
+              <a:off x="7655544" y="8664671"/>
               <a:ext cx="186466" cy="81746"/>
             </a:xfrm>
             <a:prstGeom prst="rect">
@@ -9213,7 +9213,7 @@
           </p:nvSpPr>
           <p:spPr>
             <a:xfrm>
-              <a:off x="6456952" y="6639869"/>
+              <a:off x="8811662" y="8664726"/>
               <a:ext cx="186466" cy="81691"/>
             </a:xfrm>
             <a:prstGeom prst="rect">
@@ -9259,7 +9259,7 @@
           </p:nvSpPr>
           <p:spPr>
             <a:xfrm>
-              <a:off x="7458773" y="6639869"/>
+              <a:off x="9967780" y="8664726"/>
               <a:ext cx="186466" cy="81691"/>
             </a:xfrm>
             <a:prstGeom prst="rect">
@@ -9305,7 +9305,7 @@
           </p:nvSpPr>
           <p:spPr>
             <a:xfrm>
-              <a:off x="5286227" y="6779864"/>
+              <a:off x="7480946" y="8804721"/>
               <a:ext cx="450341" cy="101637"/>
             </a:xfrm>
             <a:prstGeom prst="rect">
@@ -9351,7 +9351,7 @@
           </p:nvSpPr>
           <p:spPr>
             <a:xfrm>
-              <a:off x="2542904" y="646521"/>
+              <a:off x="4280423" y="1756977"/>
               <a:ext cx="978254" cy="124092"/>
             </a:xfrm>
             <a:prstGeom prst="rect">
